--- a/Swagger/Swagger-Workshop.pptx
+++ b/Swagger/Swagger-Workshop.pptx
@@ -32269,6 +32269,37 @@
             </a:r>
             <a:endParaRPr lang="de-AT" dirty="0"/>
           </a:p>
+          <a:p>
+            <a:r>
+              <a:rPr lang="de-AT" dirty="0" err="1"/>
+              <a:t>Various</a:t>
+            </a:r>
+            <a:r>
+              <a:rPr lang="de-AT" dirty="0"/>
+              <a:t> </a:t>
+            </a:r>
+            <a:r>
+              <a:rPr lang="de-AT" dirty="0" err="1"/>
+              <a:t>OpenAPI</a:t>
+            </a:r>
+            <a:r>
+              <a:rPr lang="de-AT" dirty="0"/>
+              <a:t> Tools</a:t>
+            </a:r>
+          </a:p>
+          <a:p>
+            <a:pPr lvl="1"/>
+            <a:r>
+              <a:rPr lang="de-AT" dirty="0">
+                <a:hlinkClick r:id="rId3"/>
+              </a:rPr>
+              <a:t>https://openapi.tools/</a:t>
+            </a:r>
+            <a:r>
+              <a:rPr lang="de-AT" dirty="0"/>
+              <a:t> </a:t>
+            </a:r>
+          </a:p>
         </p:txBody>
       </p:sp>
       <p:sp>
@@ -32722,7 +32753,7 @@
             </a:r>
             <a:r>
               <a:rPr lang="de-AT" dirty="0"/>
-              <a:t> -d -p 8081:8080 -e API_URL=https://rawgit.com/rstropek/node-mongo-sample/master/api3.json </a:t>
+              <a:t> -d -p 8081:8080 -e API_URL=https://swaggerworkshop.blob.core.windows.net/swagger/api3.json </a:t>
             </a:r>
             <a:r>
               <a:rPr lang="de-AT" dirty="0" err="1"/>

--- a/Swagger/Swagger-Workshop.pptx
+++ b/Swagger/Swagger-Workshop.pptx
@@ -12,27 +12,29 @@
     <p:sldId id="406" r:id="rId6"/>
     <p:sldId id="324" r:id="rId7"/>
     <p:sldId id="408" r:id="rId8"/>
-    <p:sldId id="409" r:id="rId9"/>
-    <p:sldId id="410" r:id="rId10"/>
-    <p:sldId id="411" r:id="rId11"/>
-    <p:sldId id="413" r:id="rId12"/>
-    <p:sldId id="414" r:id="rId13"/>
-    <p:sldId id="415" r:id="rId14"/>
-    <p:sldId id="416" r:id="rId15"/>
-    <p:sldId id="417" r:id="rId16"/>
-    <p:sldId id="421" r:id="rId17"/>
-    <p:sldId id="419" r:id="rId18"/>
-    <p:sldId id="418" r:id="rId19"/>
-    <p:sldId id="420" r:id="rId20"/>
-    <p:sldId id="424" r:id="rId21"/>
-    <p:sldId id="407" r:id="rId22"/>
-    <p:sldId id="425" r:id="rId23"/>
-    <p:sldId id="426" r:id="rId24"/>
-    <p:sldId id="422" r:id="rId25"/>
-    <p:sldId id="423" r:id="rId26"/>
-    <p:sldId id="427" r:id="rId27"/>
-    <p:sldId id="428" r:id="rId28"/>
-    <p:sldId id="322" r:id="rId29"/>
+    <p:sldId id="430" r:id="rId9"/>
+    <p:sldId id="429" r:id="rId10"/>
+    <p:sldId id="409" r:id="rId11"/>
+    <p:sldId id="410" r:id="rId12"/>
+    <p:sldId id="411" r:id="rId13"/>
+    <p:sldId id="413" r:id="rId14"/>
+    <p:sldId id="414" r:id="rId15"/>
+    <p:sldId id="415" r:id="rId16"/>
+    <p:sldId id="416" r:id="rId17"/>
+    <p:sldId id="417" r:id="rId18"/>
+    <p:sldId id="421" r:id="rId19"/>
+    <p:sldId id="419" r:id="rId20"/>
+    <p:sldId id="418" r:id="rId21"/>
+    <p:sldId id="420" r:id="rId22"/>
+    <p:sldId id="424" r:id="rId23"/>
+    <p:sldId id="407" r:id="rId24"/>
+    <p:sldId id="425" r:id="rId25"/>
+    <p:sldId id="426" r:id="rId26"/>
+    <p:sldId id="422" r:id="rId27"/>
+    <p:sldId id="423" r:id="rId28"/>
+    <p:sldId id="427" r:id="rId29"/>
+    <p:sldId id="428" r:id="rId30"/>
+    <p:sldId id="322" r:id="rId31"/>
   </p:sldIdLst>
   <p:sldSz cx="9144000" cy="5143500" type="screen16x9"/>
   <p:notesSz cx="6858000" cy="9144000"/>
@@ -197,6 +199,8 @@
             <p14:sldId id="406"/>
             <p14:sldId id="324"/>
             <p14:sldId id="408"/>
+            <p14:sldId id="430"/>
+            <p14:sldId id="429"/>
             <p14:sldId id="409"/>
             <p14:sldId id="410"/>
             <p14:sldId id="411"/>
@@ -29459,10 +29463,10 @@
       </p:grpSpPr>
       <p:sp>
         <p:nvSpPr>
-          <p:cNvPr id="5" name="Title 4">
+          <p:cNvPr id="2" name="Title 1">
             <a:extLst>
               <a:ext uri="{FF2B5EF4-FFF2-40B4-BE49-F238E27FC236}">
-                <a16:creationId xmlns:a16="http://schemas.microsoft.com/office/drawing/2014/main" id="{85F43DAA-69EB-4EA7-AEEB-CD58A2FDC835}"/>
+                <a16:creationId xmlns:a16="http://schemas.microsoft.com/office/drawing/2014/main" id="{35417FC4-A03A-4B78-ACDF-D59E69A3FE7A}"/>
               </a:ext>
             </a:extLst>
           </p:cNvPr>
@@ -29479,215 +29483,55 @@
           <a:lstStyle/>
           <a:p>
             <a:r>
-              <a:rPr lang="en-US"/>
-              <a:t>Document Structure</a:t>
-            </a:r>
+              <a:rPr lang="de-AT" dirty="0"/>
+              <a:t>Data </a:t>
+            </a:r>
+            <a:r>
+              <a:rPr lang="de-AT" dirty="0" err="1"/>
+              <a:t>Types</a:t>
+            </a:r>
+            <a:endParaRPr lang="de-AT" dirty="0"/>
           </a:p>
         </p:txBody>
       </p:sp>
-      <p:sp>
-        <p:nvSpPr>
-          <p:cNvPr id="6" name="Content Placeholder 5">
+      <p:pic>
+        <p:nvPicPr>
+          <p:cNvPr id="5" name="Content Placeholder 4">
             <a:extLst>
               <a:ext uri="{FF2B5EF4-FFF2-40B4-BE49-F238E27FC236}">
-                <a16:creationId xmlns:a16="http://schemas.microsoft.com/office/drawing/2014/main" id="{D26EDAE2-9F27-4FE7-B19C-B770C6C434B4}"/>
+                <a16:creationId xmlns:a16="http://schemas.microsoft.com/office/drawing/2014/main" id="{4BBDAA24-7DAC-4E2D-8CF3-83715B9A69C3}"/>
               </a:ext>
             </a:extLst>
           </p:cNvPr>
-          <p:cNvSpPr>
-            <a:spLocks noGrp="1"/>
-          </p:cNvSpPr>
+          <p:cNvPicPr>
+            <a:picLocks noGrp="1" noChangeAspect="1"/>
+          </p:cNvPicPr>
           <p:nvPr>
-            <p:ph sz="quarter" idx="22"/>
+            <p:ph sz="quarter" idx="12"/>
           </p:nvPr>
-        </p:nvSpPr>
-        <p:spPr/>
-        <p:txBody>
-          <a:bodyPr/>
-          <a:lstStyle/>
-          <a:p>
-            <a:r>
-              <a:rPr lang="en-US" sz="1600" dirty="0" err="1"/>
-              <a:t>openapi</a:t>
-            </a:r>
-            <a:r>
-              <a:rPr lang="en-US" sz="1600" dirty="0"/>
-              <a:t>: &lt;version&gt;</a:t>
-            </a:r>
-          </a:p>
-          <a:p>
-            <a:r>
-              <a:rPr lang="en-US" sz="1600" dirty="0"/>
-              <a:t>info:</a:t>
-            </a:r>
-          </a:p>
-          <a:p>
-            <a:r>
-              <a:rPr lang="en-US" sz="1100" i="1" dirty="0"/>
-              <a:t>	Metadata about the API</a:t>
-            </a:r>
-          </a:p>
-          <a:p>
-            <a:r>
-              <a:rPr lang="en-US" sz="1100" dirty="0"/>
-              <a:t>	</a:t>
-            </a:r>
-            <a:r>
-              <a:rPr lang="en-US" sz="1100" dirty="0">
-                <a:hlinkClick r:id="rId2"/>
-              </a:rPr>
-              <a:t>https://swagger.io/specification/#infoObject</a:t>
-            </a:r>
-            <a:endParaRPr lang="en-US" sz="1100" dirty="0"/>
-          </a:p>
-          <a:p>
-            <a:r>
-              <a:rPr lang="en-US" sz="1600" dirty="0"/>
-              <a:t>servers:</a:t>
-            </a:r>
-          </a:p>
-          <a:p>
-            <a:r>
-              <a:rPr lang="en-US" sz="1100" i="1" dirty="0"/>
-              <a:t>	Servers implementing the REST API</a:t>
-            </a:r>
-          </a:p>
-          <a:p>
-            <a:r>
-              <a:rPr lang="en-US" sz="1100" dirty="0"/>
-              <a:t>	</a:t>
-            </a:r>
-            <a:r>
-              <a:rPr lang="en-US" sz="1100" dirty="0">
-                <a:hlinkClick r:id="rId3"/>
-              </a:rPr>
-              <a:t>https://swagger.io/specification/#serverObject</a:t>
-            </a:r>
-            <a:r>
-              <a:rPr lang="en-US" sz="1100" dirty="0"/>
-              <a:t> </a:t>
-            </a:r>
-          </a:p>
-          <a:p>
-            <a:r>
-              <a:rPr lang="en-US" sz="1600" dirty="0"/>
-              <a:t>paths: </a:t>
-            </a:r>
-          </a:p>
-          <a:p>
-            <a:r>
-              <a:rPr lang="en-US" sz="1100" i="1" dirty="0"/>
-              <a:t>	Endpoints and there implementation</a:t>
-            </a:r>
-          </a:p>
-          <a:p>
-            <a:r>
-              <a:rPr lang="en-US" sz="1600" dirty="0"/>
-              <a:t>components:</a:t>
-            </a:r>
-          </a:p>
-          <a:p>
-            <a:r>
-              <a:rPr lang="en-US" sz="1100" i="1" dirty="0"/>
-              <a:t>	Reusable objects referenced in other parts of the API specification</a:t>
-            </a:r>
-          </a:p>
-          <a:p>
-            <a:r>
-              <a:rPr lang="en-US" sz="1600" dirty="0"/>
-              <a:t>security:</a:t>
-            </a:r>
-          </a:p>
-          <a:p>
-            <a:r>
-              <a:rPr lang="en-US" sz="1100" i="1" dirty="0"/>
-              <a:t>	Security scheme used by the operations</a:t>
-            </a:r>
-          </a:p>
-          <a:p>
-            <a:r>
-              <a:rPr lang="en-US" sz="1100" dirty="0"/>
-              <a:t>	</a:t>
-            </a:r>
-            <a:r>
-              <a:rPr lang="en-US" sz="1100" dirty="0">
-                <a:hlinkClick r:id="rId4"/>
-              </a:rPr>
-              <a:t>https://swagger.io/specification/#securitySchemeObject</a:t>
-            </a:r>
-            <a:r>
-              <a:rPr lang="en-US" sz="1100" dirty="0"/>
-              <a:t> </a:t>
-            </a:r>
-          </a:p>
-          <a:p>
-            <a:r>
-              <a:rPr lang="en-US" sz="1600" dirty="0"/>
-              <a:t>tags:</a:t>
-            </a:r>
-          </a:p>
-          <a:p>
-            <a:r>
-              <a:rPr lang="en-US" sz="1100" i="1" dirty="0"/>
-              <a:t>  Additional metadata</a:t>
-            </a:r>
-          </a:p>
-          <a:p>
-            <a:r>
-              <a:rPr lang="en-US" sz="1100" dirty="0"/>
-              <a:t>	</a:t>
-            </a:r>
-            <a:r>
-              <a:rPr lang="en-US" sz="1100" dirty="0">
-                <a:hlinkClick r:id="rId5"/>
-              </a:rPr>
-              <a:t>https://swagger.io/specification/#tagObject</a:t>
-            </a:r>
-            <a:r>
-              <a:rPr lang="en-US" sz="1100" dirty="0"/>
-              <a:t> </a:t>
-            </a:r>
-          </a:p>
-          <a:p>
-            <a:r>
-              <a:rPr lang="en-US" sz="1600" dirty="0" err="1"/>
-              <a:t>externalDocs</a:t>
-            </a:r>
-            <a:r>
-              <a:rPr lang="en-US" sz="1600" dirty="0"/>
-              <a:t>:</a:t>
-            </a:r>
-          </a:p>
-          <a:p>
-            <a:r>
-              <a:rPr lang="en-US" sz="1100" i="1" dirty="0"/>
-              <a:t>	Link to additional documentation</a:t>
-            </a:r>
-          </a:p>
-          <a:p>
-            <a:r>
-              <a:rPr lang="en-US" sz="1100" dirty="0"/>
-              <a:t>	</a:t>
-            </a:r>
-            <a:r>
-              <a:rPr lang="en-US" sz="1100" dirty="0">
-                <a:hlinkClick r:id="rId6"/>
-              </a:rPr>
-              <a:t>https://swagger.io/specification/#externalDocumentationObject</a:t>
-            </a:r>
-            <a:r>
-              <a:rPr lang="en-US" sz="1100" dirty="0"/>
-              <a:t> </a:t>
-            </a:r>
-          </a:p>
-        </p:txBody>
-      </p:sp>
+        </p:nvPicPr>
+        <p:blipFill>
+          <a:blip r:embed="rId2"/>
+          <a:stretch>
+            <a:fillRect/>
+          </a:stretch>
+        </p:blipFill>
+        <p:spPr>
+          <a:xfrm>
+            <a:off x="876300" y="994064"/>
+            <a:ext cx="4077506" cy="3498272"/>
+          </a:xfrm>
+          <a:prstGeom prst="rect">
+            <a:avLst/>
+          </a:prstGeom>
+        </p:spPr>
+      </p:pic>
       <p:sp>
         <p:nvSpPr>
-          <p:cNvPr id="7" name="Text Placeholder 6">
+          <p:cNvPr id="4" name="Text Placeholder 3">
             <a:extLst>
               <a:ext uri="{FF2B5EF4-FFF2-40B4-BE49-F238E27FC236}">
-                <a16:creationId xmlns:a16="http://schemas.microsoft.com/office/drawing/2014/main" id="{B52F711E-6CE0-46B0-BBEA-1A426BB9D90F}"/>
+                <a16:creationId xmlns:a16="http://schemas.microsoft.com/office/drawing/2014/main" id="{13D4D48F-660C-4CB4-83DD-7811F03C51B1}"/>
               </a:ext>
             </a:extLst>
           </p:cNvPr>
@@ -29703,137 +29547,14 @@
           <a:bodyPr/>
           <a:lstStyle/>
           <a:p>
-            <a:endParaRPr lang="en-US"/>
-          </a:p>
-        </p:txBody>
-      </p:sp>
-      <p:sp>
-        <p:nvSpPr>
-          <p:cNvPr id="8" name="Text Placeholder 7">
-            <a:extLst>
-              <a:ext uri="{FF2B5EF4-FFF2-40B4-BE49-F238E27FC236}">
-                <a16:creationId xmlns:a16="http://schemas.microsoft.com/office/drawing/2014/main" id="{6142D4AC-0F9D-4F34-8B98-B68CBDF3EBEB}"/>
-              </a:ext>
-            </a:extLst>
-          </p:cNvPr>
-          <p:cNvSpPr>
-            <a:spLocks noGrp="1"/>
-          </p:cNvSpPr>
-          <p:nvPr>
-            <p:ph type="body" sz="quarter" idx="24"/>
-          </p:nvPr>
-        </p:nvSpPr>
-        <p:spPr/>
-        <p:txBody>
-          <a:bodyPr/>
-          <a:lstStyle/>
-          <a:p>
-            <a:r>
-              <a:rPr lang="en-US" dirty="0"/>
-              <a:t>Swagger Editor</a:t>
-            </a:r>
-          </a:p>
-          <a:p>
-            <a:pPr lvl="1"/>
-            <a:r>
-              <a:rPr lang="en-US" dirty="0">
-                <a:hlinkClick r:id="rId7"/>
+            <a:r>
+              <a:rPr lang="de-AT" dirty="0">
+                <a:hlinkClick r:id="rId3"/>
               </a:rPr>
-              <a:t>https://editor.swagger.io</a:t>
-            </a:r>
-            <a:r>
-              <a:rPr lang="en-US" dirty="0"/>
-              <a:t> </a:t>
-            </a:r>
-          </a:p>
-          <a:p>
-            <a:r>
-              <a:rPr lang="en-US" dirty="0"/>
-              <a:t>Swagger Hub</a:t>
-            </a:r>
-          </a:p>
-          <a:p>
-            <a:pPr lvl="1"/>
-            <a:r>
-              <a:rPr lang="en-US" dirty="0">
-                <a:hlinkClick r:id="rId8"/>
-              </a:rPr>
-              <a:t>https://app.swaggerhub.com/</a:t>
-            </a:r>
-            <a:r>
-              <a:rPr lang="en-US" dirty="0"/>
-              <a:t> </a:t>
-            </a:r>
-          </a:p>
-          <a:p>
-            <a:r>
-              <a:rPr lang="en-US" dirty="0"/>
-              <a:t>Docker Image</a:t>
-            </a:r>
-          </a:p>
-          <a:p>
-            <a:pPr lvl="1"/>
-            <a:r>
-              <a:rPr lang="en-US" dirty="0" err="1">
-                <a:hlinkClick r:id="rId9"/>
-              </a:rPr>
-              <a:t>swaggerapi</a:t>
-            </a:r>
-            <a:r>
-              <a:rPr lang="en-US" dirty="0">
-                <a:hlinkClick r:id="rId9"/>
-              </a:rPr>
-              <a:t>/swagger-editor</a:t>
-            </a:r>
-            <a:endParaRPr lang="en-US" dirty="0"/>
-          </a:p>
-          <a:p>
-            <a:r>
-              <a:rPr lang="en-US" dirty="0"/>
-              <a:t>NPM Package</a:t>
-            </a:r>
-          </a:p>
-          <a:p>
-            <a:pPr lvl="1"/>
-            <a:r>
-              <a:rPr lang="en-US" dirty="0">
-                <a:hlinkClick r:id="rId10"/>
-              </a:rPr>
-              <a:t>swagger-editor</a:t>
-            </a:r>
-            <a:endParaRPr lang="en-US" dirty="0"/>
-          </a:p>
-        </p:txBody>
-      </p:sp>
-      <p:sp>
-        <p:nvSpPr>
-          <p:cNvPr id="9" name="Text Placeholder 8">
-            <a:extLst>
-              <a:ext uri="{FF2B5EF4-FFF2-40B4-BE49-F238E27FC236}">
-                <a16:creationId xmlns:a16="http://schemas.microsoft.com/office/drawing/2014/main" id="{D11BCDF4-B82B-4EC3-A978-8864E4D7E45B}"/>
-              </a:ext>
-            </a:extLst>
-          </p:cNvPr>
-          <p:cNvSpPr>
-            <a:spLocks noGrp="1"/>
-          </p:cNvSpPr>
-          <p:nvPr>
-            <p:ph type="body" sz="quarter" idx="25"/>
-          </p:nvPr>
-        </p:nvSpPr>
-        <p:spPr/>
-        <p:txBody>
-          <a:bodyPr/>
-          <a:lstStyle/>
-          <a:p>
-            <a:r>
-              <a:rPr lang="en-US">
-                <a:hlinkClick r:id="rId11"/>
-              </a:rPr>
-              <a:t>https://swagger.io/specification/#oasObject</a:t>
-            </a:r>
-            <a:r>
-              <a:rPr lang="en-US"/>
+              <a:t>https://swagger.io/specification/#dataTypes</a:t>
+            </a:r>
+            <a:r>
+              <a:rPr lang="de-AT" dirty="0"/>
               <a:t> </a:t>
             </a:r>
           </a:p>
@@ -29842,7 +29563,7 @@
     </p:spTree>
     <p:extLst>
       <p:ext uri="{BB962C8B-B14F-4D97-AF65-F5344CB8AC3E}">
-        <p14:creationId xmlns:p14="http://schemas.microsoft.com/office/powerpoint/2010/main" val="1385446084"/>
+        <p14:creationId xmlns:p14="http://schemas.microsoft.com/office/powerpoint/2010/main" val="3214566695"/>
       </p:ext>
     </p:extLst>
   </p:cSld>
@@ -29874,10 +29595,10 @@
       </p:grpSpPr>
       <p:sp>
         <p:nvSpPr>
-          <p:cNvPr id="5" name="Title 4">
+          <p:cNvPr id="2" name="Title 1">
             <a:extLst>
               <a:ext uri="{FF2B5EF4-FFF2-40B4-BE49-F238E27FC236}">
-                <a16:creationId xmlns:a16="http://schemas.microsoft.com/office/drawing/2014/main" id="{85F43DAA-69EB-4EA7-AEEB-CD58A2FDC835}"/>
+                <a16:creationId xmlns:a16="http://schemas.microsoft.com/office/drawing/2014/main" id="{3BAF86D3-8E6E-4873-A112-F818B8D717A7}"/>
               </a:ext>
             </a:extLst>
           </p:cNvPr>
@@ -29894,18 +29615,18 @@
           <a:lstStyle/>
           <a:p>
             <a:r>
-              <a:rPr lang="en-US" dirty="0"/>
-              <a:t>Path Items</a:t>
+              <a:rPr lang="de-AT" dirty="0"/>
+              <a:t>References</a:t>
             </a:r>
           </a:p>
         </p:txBody>
       </p:sp>
       <p:sp>
         <p:nvSpPr>
-          <p:cNvPr id="6" name="Content Placeholder 5">
+          <p:cNvPr id="3" name="Content Placeholder 2">
             <a:extLst>
               <a:ext uri="{FF2B5EF4-FFF2-40B4-BE49-F238E27FC236}">
-                <a16:creationId xmlns:a16="http://schemas.microsoft.com/office/drawing/2014/main" id="{D26EDAE2-9F27-4FE7-B19C-B770C6C434B4}"/>
+                <a16:creationId xmlns:a16="http://schemas.microsoft.com/office/drawing/2014/main" id="{BF4DDA0B-82C1-441B-97D0-2E44928FE3FD}"/>
               </a:ext>
             </a:extLst>
           </p:cNvPr>
@@ -29913,7 +29634,7 @@
             <a:spLocks noGrp="1"/>
           </p:cNvSpPr>
           <p:nvPr>
-            <p:ph sz="quarter" idx="22"/>
+            <p:ph sz="quarter" idx="12"/>
           </p:nvPr>
         </p:nvSpPr>
         <p:spPr/>
@@ -29922,202 +29643,122 @@
           <a:lstStyle/>
           <a:p>
             <a:r>
-              <a:rPr lang="en-US" sz="1600" dirty="0"/>
-              <a:t>summary: …</a:t>
-            </a:r>
-          </a:p>
-          <a:p>
-            <a:r>
-              <a:rPr lang="en-US" sz="1600" dirty="0"/>
-              <a:t>description: …</a:t>
-            </a:r>
-          </a:p>
-          <a:p>
-            <a:r>
-              <a:rPr lang="en-US" sz="1600" dirty="0"/>
-              <a:t>get | post | put | delete …:</a:t>
-            </a:r>
-          </a:p>
-          <a:p>
-            <a:r>
-              <a:rPr lang="en-US" sz="1100" i="1" dirty="0"/>
-              <a:t>	Definition of operations</a:t>
-            </a:r>
-          </a:p>
-          <a:p>
-            <a:r>
-              <a:rPr lang="en-US" sz="1100" dirty="0"/>
-              <a:t>	</a:t>
-            </a:r>
-            <a:r>
-              <a:rPr lang="en-US" sz="1100" dirty="0">
+              <a:rPr lang="de-AT" i="1" dirty="0"/>
+              <a:t>$</a:t>
+            </a:r>
+            <a:r>
+              <a:rPr lang="de-AT" i="1" dirty="0" err="1"/>
+              <a:t>ref</a:t>
+            </a:r>
+            <a:endParaRPr lang="de-AT" i="1" dirty="0"/>
+          </a:p>
+          <a:p>
+            <a:pPr lvl="1"/>
+            <a:r>
+              <a:rPr lang="de-AT" dirty="0">
                 <a:hlinkClick r:id="rId2"/>
               </a:rPr>
-              <a:t>https://swagger.io/specification/#operationObject</a:t>
-            </a:r>
-            <a:r>
-              <a:rPr lang="en-US" sz="1100" dirty="0"/>
+              <a:t>JSON Reference</a:t>
+            </a:r>
+            <a:endParaRPr lang="de-AT" dirty="0"/>
+          </a:p>
+          <a:p>
+            <a:r>
+              <a:rPr lang="de-AT" dirty="0"/>
+              <a:t>Relative (</a:t>
+            </a:r>
+            <a:r>
+              <a:rPr lang="de-AT" dirty="0" err="1"/>
+              <a:t>inside</a:t>
+            </a:r>
+            <a:r>
+              <a:rPr lang="de-AT" dirty="0"/>
               <a:t> </a:t>
             </a:r>
-          </a:p>
-          <a:p>
-            <a:r>
-              <a:rPr lang="en-US" sz="1600" dirty="0"/>
-              <a:t>	</a:t>
-            </a:r>
-            <a:r>
-              <a:rPr lang="en-US" sz="1100" i="1" dirty="0" err="1"/>
-              <a:t>Metdata</a:t>
-            </a:r>
-            <a:r>
-              <a:rPr lang="en-US" sz="1100" i="1" dirty="0"/>
-              <a:t> like </a:t>
-            </a:r>
-            <a:r>
-              <a:rPr lang="en-US" sz="1600" dirty="0"/>
-              <a:t>tags, summary, description…</a:t>
-            </a:r>
-          </a:p>
-          <a:p>
-            <a:r>
-              <a:rPr lang="en-US" sz="1600" dirty="0"/>
-              <a:t>	</a:t>
-            </a:r>
-            <a:r>
-              <a:rPr lang="en-US" sz="1600" dirty="0" err="1"/>
-              <a:t>operationId</a:t>
-            </a:r>
-            <a:r>
-              <a:rPr lang="en-US" sz="1600" dirty="0"/>
-              <a:t>:</a:t>
-            </a:r>
-          </a:p>
-          <a:p>
-            <a:r>
-              <a:rPr lang="en-US" sz="1100" dirty="0"/>
-              <a:t>		Unique string used to identify the operation</a:t>
-            </a:r>
-          </a:p>
-          <a:p>
-            <a:r>
-              <a:rPr lang="en-US" sz="1600" dirty="0"/>
-              <a:t>	parameters:</a:t>
-            </a:r>
-          </a:p>
-          <a:p>
-            <a:r>
-              <a:rPr lang="en-US" sz="1100" dirty="0"/>
-              <a:t>		A list of parameters that are applicable for this operation</a:t>
-            </a:r>
-          </a:p>
-          <a:p>
-            <a:r>
-              <a:rPr lang="en-US" sz="1100" dirty="0"/>
-              <a:t>		</a:t>
-            </a:r>
-            <a:r>
-              <a:rPr lang="en-US" sz="1100" dirty="0">
-                <a:hlinkClick r:id="rId3"/>
-              </a:rPr>
-              <a:t>https://swagger.io/specification/#parameterObject</a:t>
-            </a:r>
-            <a:r>
-              <a:rPr lang="en-US" sz="1100" dirty="0"/>
-              <a:t> </a:t>
-            </a:r>
-          </a:p>
-          <a:p>
-            <a:r>
-              <a:rPr lang="en-US" sz="1600" dirty="0"/>
-              <a:t>	</a:t>
-            </a:r>
-            <a:r>
-              <a:rPr lang="en-US" sz="1600" dirty="0" err="1"/>
-              <a:t>requestBody</a:t>
-            </a:r>
-            <a:r>
-              <a:rPr lang="en-US" sz="1600" dirty="0"/>
-              <a:t>:</a:t>
-            </a:r>
-          </a:p>
-          <a:p>
-            <a:r>
-              <a:rPr lang="en-US" sz="1100" dirty="0"/>
-              <a:t>		</a:t>
-            </a:r>
-            <a:r>
-              <a:rPr lang="en-US" sz="1100" dirty="0">
-                <a:hlinkClick r:id="rId4"/>
-              </a:rPr>
-              <a:t>https://swagger.io/specification/#requestBodyObject</a:t>
-            </a:r>
-            <a:r>
-              <a:rPr lang="en-US" sz="1100" dirty="0"/>
-              <a:t> </a:t>
-            </a:r>
-          </a:p>
-          <a:p>
-            <a:r>
-              <a:rPr lang="en-US" sz="1600" dirty="0"/>
-              <a:t>	responses:</a:t>
-            </a:r>
-          </a:p>
-          <a:p>
-            <a:r>
-              <a:rPr lang="en-US" sz="1100" dirty="0"/>
-              <a:t>		https://swagger.io/specification/#responsesObject</a:t>
-            </a:r>
-          </a:p>
-          <a:p>
-            <a:r>
-              <a:rPr lang="en-US" sz="1600" dirty="0"/>
-              <a:t>	deprecated: …</a:t>
-            </a:r>
-          </a:p>
-          <a:p>
-            <a:r>
-              <a:rPr lang="en-US" sz="1600" dirty="0"/>
-              <a:t>	security: …</a:t>
-            </a:r>
-          </a:p>
-          <a:p>
-            <a:r>
-              <a:rPr lang="en-US" sz="1600" dirty="0"/>
-              <a:t>	servers: …</a:t>
-            </a:r>
-          </a:p>
-          <a:p>
-            <a:r>
-              <a:rPr lang="en-US" sz="1600" dirty="0"/>
-              <a:t>servers: </a:t>
-            </a:r>
-          </a:p>
-          <a:p>
-            <a:r>
-              <a:rPr lang="en-US" sz="1100" i="1" dirty="0"/>
-              <a:t>	Alternative servers</a:t>
-            </a:r>
-          </a:p>
-          <a:p>
-            <a:r>
-              <a:rPr lang="en-US" sz="1600" dirty="0"/>
-              <a:t>parameters:</a:t>
-            </a:r>
-          </a:p>
-          <a:p>
-            <a:r>
-              <a:rPr lang="en-US" sz="1100" i="1" dirty="0"/>
-              <a:t>	Parameters applicable for all operations of this path</a:t>
-            </a:r>
+            <a:r>
+              <a:rPr lang="de-AT" dirty="0" err="1"/>
+              <a:t>file</a:t>
+            </a:r>
+            <a:r>
+              <a:rPr lang="de-AT" dirty="0"/>
+              <a:t>) and absolute</a:t>
+            </a:r>
+          </a:p>
+          <a:p>
+            <a:pPr lvl="1"/>
+            <a:r>
+              <a:rPr lang="de-AT" i="1" dirty="0"/>
+              <a:t>$</a:t>
+            </a:r>
+            <a:r>
+              <a:rPr lang="de-AT" i="1" dirty="0" err="1"/>
+              <a:t>ref</a:t>
+            </a:r>
+            <a:r>
+              <a:rPr lang="de-AT" i="1" dirty="0"/>
+              <a:t>: '#/</a:t>
+            </a:r>
+            <a:r>
+              <a:rPr lang="de-AT" i="1" dirty="0" err="1"/>
+              <a:t>components</a:t>
+            </a:r>
+            <a:r>
+              <a:rPr lang="de-AT" i="1" dirty="0"/>
+              <a:t>/</a:t>
+            </a:r>
+            <a:r>
+              <a:rPr lang="de-AT" i="1" dirty="0" err="1"/>
+              <a:t>schemas</a:t>
+            </a:r>
+            <a:r>
+              <a:rPr lang="de-AT" i="1" dirty="0"/>
+              <a:t>/</a:t>
+            </a:r>
+            <a:r>
+              <a:rPr lang="de-AT" i="1" dirty="0" err="1"/>
+              <a:t>Pet</a:t>
+            </a:r>
+            <a:r>
+              <a:rPr lang="de-AT" i="1" dirty="0"/>
+              <a:t>‘</a:t>
+            </a:r>
+          </a:p>
+          <a:p>
+            <a:pPr lvl="1"/>
+            <a:r>
+              <a:rPr lang="de-AT" i="1" dirty="0"/>
+              <a:t>$</a:t>
+            </a:r>
+            <a:r>
+              <a:rPr lang="de-AT" i="1" dirty="0" err="1"/>
+              <a:t>ref</a:t>
+            </a:r>
+            <a:r>
+              <a:rPr lang="de-AT" i="1" dirty="0"/>
+              <a:t>: </a:t>
+            </a:r>
+            <a:r>
+              <a:rPr lang="de-AT" i="1" dirty="0" err="1"/>
+              <a:t>definitions.yaml</a:t>
+            </a:r>
+            <a:r>
+              <a:rPr lang="de-AT" i="1" dirty="0"/>
+              <a:t>#/</a:t>
+            </a:r>
+            <a:r>
+              <a:rPr lang="de-AT" i="1" dirty="0" err="1"/>
+              <a:t>Pet</a:t>
+            </a:r>
+            <a:endParaRPr lang="de-AT" i="1" dirty="0"/>
           </a:p>
         </p:txBody>
       </p:sp>
       <p:sp>
         <p:nvSpPr>
-          <p:cNvPr id="7" name="Text Placeholder 6">
+          <p:cNvPr id="4" name="Text Placeholder 3">
             <a:extLst>
               <a:ext uri="{FF2B5EF4-FFF2-40B4-BE49-F238E27FC236}">
-                <a16:creationId xmlns:a16="http://schemas.microsoft.com/office/drawing/2014/main" id="{B52F711E-6CE0-46B0-BBEA-1A426BB9D90F}"/>
+                <a16:creationId xmlns:a16="http://schemas.microsoft.com/office/drawing/2014/main" id="{83B199B2-72F0-4555-9095-07AA9640555C}"/>
               </a:ext>
             </a:extLst>
           </p:cNvPr>
@@ -30133,84 +29774,14 @@
           <a:bodyPr/>
           <a:lstStyle/>
           <a:p>
-            <a:endParaRPr lang="en-US"/>
-          </a:p>
-        </p:txBody>
-      </p:sp>
-      <p:sp>
-        <p:nvSpPr>
-          <p:cNvPr id="8" name="Text Placeholder 7">
-            <a:extLst>
-              <a:ext uri="{FF2B5EF4-FFF2-40B4-BE49-F238E27FC236}">
-                <a16:creationId xmlns:a16="http://schemas.microsoft.com/office/drawing/2014/main" id="{6142D4AC-0F9D-4F34-8B98-B68CBDF3EBEB}"/>
-              </a:ext>
-            </a:extLst>
-          </p:cNvPr>
-          <p:cNvSpPr>
-            <a:spLocks noGrp="1"/>
-          </p:cNvSpPr>
-          <p:nvPr>
-            <p:ph type="body" sz="quarter" idx="24"/>
-          </p:nvPr>
-        </p:nvSpPr>
-        <p:spPr/>
-        <p:txBody>
-          <a:bodyPr/>
-          <a:lstStyle/>
-          <a:p>
-            <a:r>
-              <a:rPr lang="en-US" dirty="0"/>
-              <a:t>Tip: Use </a:t>
-            </a:r>
-            <a:r>
-              <a:rPr lang="en-US" i="1" dirty="0"/>
-              <a:t>$ref</a:t>
-            </a:r>
-            <a:r>
-              <a:rPr lang="en-US" dirty="0"/>
-              <a:t> to reference external document</a:t>
-            </a:r>
-          </a:p>
-        </p:txBody>
-      </p:sp>
-      <p:sp>
-        <p:nvSpPr>
-          <p:cNvPr id="9" name="Text Placeholder 8">
-            <a:extLst>
-              <a:ext uri="{FF2B5EF4-FFF2-40B4-BE49-F238E27FC236}">
-                <a16:creationId xmlns:a16="http://schemas.microsoft.com/office/drawing/2014/main" id="{D11BCDF4-B82B-4EC3-A978-8864E4D7E45B}"/>
-              </a:ext>
-            </a:extLst>
-          </p:cNvPr>
-          <p:cNvSpPr>
-            <a:spLocks noGrp="1"/>
-          </p:cNvSpPr>
-          <p:nvPr>
-            <p:ph type="body" sz="quarter" idx="25"/>
-          </p:nvPr>
-        </p:nvSpPr>
-        <p:spPr/>
-        <p:txBody>
-          <a:bodyPr/>
-          <a:lstStyle/>
-          <a:p>
-            <a:r>
-              <a:rPr lang="en-US" dirty="0">
-                <a:hlinkClick r:id="rId5"/>
-              </a:rPr>
-              <a:t>https://swagger.io/specification/#pathItemObject</a:t>
-            </a:r>
-            <a:r>
-              <a:rPr lang="en-US" dirty="0"/>
-              <a:t> </a:t>
-            </a:r>
+            <a:endParaRPr lang="de-AT"/>
           </a:p>
         </p:txBody>
       </p:sp>
     </p:spTree>
     <p:extLst>
       <p:ext uri="{BB962C8B-B14F-4D97-AF65-F5344CB8AC3E}">
-        <p14:creationId xmlns:p14="http://schemas.microsoft.com/office/powerpoint/2010/main" val="19930296"/>
+        <p14:creationId xmlns:p14="http://schemas.microsoft.com/office/powerpoint/2010/main" val="3549786776"/>
       </p:ext>
     </p:extLst>
   </p:cSld>
@@ -30262,8 +29833,8 @@
           <a:lstStyle/>
           <a:p>
             <a:r>
-              <a:rPr lang="en-US" dirty="0"/>
-              <a:t>Schema</a:t>
+              <a:rPr lang="en-US"/>
+              <a:t>Document Structure</a:t>
             </a:r>
           </a:p>
         </p:txBody>
@@ -30290,35 +29861,24 @@
           <a:lstStyle/>
           <a:p>
             <a:r>
+              <a:rPr lang="en-US" sz="1600" dirty="0" err="1"/>
+              <a:t>openapi</a:t>
+            </a:r>
+            <a:r>
               <a:rPr lang="en-US" sz="1600" dirty="0"/>
-              <a:t>type: object | array | </a:t>
-            </a:r>
-            <a:r>
-              <a:rPr lang="en-US" sz="1600" i="1" dirty="0"/>
-              <a:t>primitive data type</a:t>
+              <a:t>: &lt;version&gt;</a:t>
             </a:r>
           </a:p>
           <a:p>
             <a:r>
               <a:rPr lang="en-US" sz="1600" dirty="0"/>
-              <a:t>format: …</a:t>
-            </a:r>
+              <a:t>info:</a:t>
+            </a:r>
+          </a:p>
+          <a:p>
             <a:r>
               <a:rPr lang="en-US" sz="1100" i="1" dirty="0"/>
-              <a:t> (see data types)</a:t>
-            </a:r>
-            <a:endParaRPr lang="en-US" sz="1600" i="1" dirty="0"/>
-          </a:p>
-          <a:p>
-            <a:r>
-              <a:rPr lang="en-US" sz="1600" dirty="0"/>
-              <a:t>properties:</a:t>
-            </a:r>
-          </a:p>
-          <a:p>
-            <a:r>
-              <a:rPr lang="en-US" sz="1100" dirty="0"/>
-              <a:t>	Property definitions</a:t>
+              <a:t>	Metadata about the API</a:t>
             </a:r>
           </a:p>
           <a:p>
@@ -30330,29 +29890,20 @@
               <a:rPr lang="en-US" sz="1100" dirty="0">
                 <a:hlinkClick r:id="rId2"/>
               </a:rPr>
-              <a:t>https://swagger.io/specification/#schemaObject</a:t>
-            </a:r>
-            <a:r>
-              <a:rPr lang="en-US" sz="1100" dirty="0"/>
-              <a:t> </a:t>
-            </a:r>
+              <a:t>https://swagger.io/specification/#infoObject</a:t>
+            </a:r>
+            <a:endParaRPr lang="en-US" sz="1100" dirty="0"/>
           </a:p>
           <a:p>
             <a:r>
               <a:rPr lang="en-US" sz="1600" dirty="0"/>
-              <a:t>nullable: …</a:t>
-            </a:r>
-          </a:p>
-          <a:p>
-            <a:r>
-              <a:rPr lang="en-US" sz="1600" dirty="0"/>
-              <a:t>discriminator:</a:t>
+              <a:t>servers:</a:t>
             </a:r>
           </a:p>
           <a:p>
             <a:r>
               <a:rPr lang="en-US" sz="1100" i="1" dirty="0"/>
-              <a:t>	Support for polymorphism</a:t>
+              <a:t>	Servers implementing the REST API</a:t>
             </a:r>
           </a:p>
           <a:p>
@@ -30364,7 +29915,7 @@
               <a:rPr lang="en-US" sz="1100" dirty="0">
                 <a:hlinkClick r:id="rId3"/>
               </a:rPr>
-              <a:t>https://swagger.io/specification/#schemaComposition</a:t>
+              <a:t>https://swagger.io/specification/#serverObject</a:t>
             </a:r>
             <a:r>
               <a:rPr lang="en-US" sz="1100" dirty="0"/>
@@ -30373,34 +29924,38 @@
           </a:p>
           <a:p>
             <a:r>
-              <a:rPr lang="en-US" sz="1600" dirty="0" err="1"/>
-              <a:t>readOnly</a:t>
-            </a:r>
-            <a:r>
               <a:rPr lang="en-US" sz="1600" dirty="0"/>
-              <a:t>: …</a:t>
-            </a:r>
-          </a:p>
-          <a:p>
-            <a:r>
-              <a:rPr lang="en-US" sz="1600" dirty="0" err="1"/>
-              <a:t>writeOnly</a:t>
-            </a:r>
+              <a:t>paths: </a:t>
+            </a:r>
+          </a:p>
+          <a:p>
+            <a:r>
+              <a:rPr lang="en-US" sz="1100" i="1" dirty="0"/>
+              <a:t>	Endpoints and there implementation</a:t>
+            </a:r>
+          </a:p>
+          <a:p>
             <a:r>
               <a:rPr lang="en-US" sz="1600" dirty="0"/>
-              <a:t>: …</a:t>
+              <a:t>components:</a:t>
+            </a:r>
+          </a:p>
+          <a:p>
+            <a:r>
+              <a:rPr lang="en-US" sz="1100" i="1" dirty="0"/>
+              <a:t>	Reusable objects referenced in other parts of the API specification</a:t>
             </a:r>
           </a:p>
           <a:p>
             <a:r>
               <a:rPr lang="en-US" sz="1600" dirty="0"/>
-              <a:t>xml:</a:t>
-            </a:r>
-          </a:p>
-          <a:p>
-            <a:r>
-              <a:rPr lang="en-US" sz="1100" dirty="0"/>
-              <a:t>	Describes XML representation of property</a:t>
+              <a:t>security:</a:t>
+            </a:r>
+          </a:p>
+          <a:p>
+            <a:r>
+              <a:rPr lang="en-US" sz="1100" i="1" dirty="0"/>
+              <a:t>	Security scheme used by the operations</a:t>
             </a:r>
           </a:p>
           <a:p>
@@ -30412,7 +29967,7 @@
               <a:rPr lang="en-US" sz="1100" dirty="0">
                 <a:hlinkClick r:id="rId4"/>
               </a:rPr>
-              <a:t>https://swagger.io/specification/#xmlObject</a:t>
+              <a:t>https://swagger.io/specification/#securitySchemeObject</a:t>
             </a:r>
             <a:r>
               <a:rPr lang="en-US" sz="1100" dirty="0"/>
@@ -30421,28 +29976,63 @@
           </a:p>
           <a:p>
             <a:r>
+              <a:rPr lang="en-US" sz="1600" dirty="0"/>
+              <a:t>tags:</a:t>
+            </a:r>
+          </a:p>
+          <a:p>
+            <a:r>
+              <a:rPr lang="en-US" sz="1100" i="1" dirty="0"/>
+              <a:t>  Additional metadata</a:t>
+            </a:r>
+          </a:p>
+          <a:p>
+            <a:r>
+              <a:rPr lang="en-US" sz="1100" dirty="0"/>
+              <a:t>	</a:t>
+            </a:r>
+            <a:r>
+              <a:rPr lang="en-US" sz="1100" dirty="0">
+                <a:hlinkClick r:id="rId5"/>
+              </a:rPr>
+              <a:t>https://swagger.io/specification/#tagObject</a:t>
+            </a:r>
+            <a:r>
+              <a:rPr lang="en-US" sz="1100" dirty="0"/>
+              <a:t> </a:t>
+            </a:r>
+          </a:p>
+          <a:p>
+            <a:r>
               <a:rPr lang="en-US" sz="1600" dirty="0" err="1"/>
               <a:t>externalDocs</a:t>
             </a:r>
             <a:r>
               <a:rPr lang="en-US" sz="1600" dirty="0"/>
-              <a:t>: …</a:t>
-            </a:r>
-          </a:p>
-          <a:p>
-            <a:r>
-              <a:rPr lang="en-US" sz="1600" dirty="0"/>
-              <a:t>example: …</a:t>
-            </a:r>
-          </a:p>
-          <a:p>
-            <a:r>
-              <a:rPr lang="en-US" sz="1600" dirty="0"/>
-              <a:t>deprecated: …</a:t>
-            </a:r>
-          </a:p>
-          <a:p>
-            <a:endParaRPr lang="en-US" sz="1100" i="1" dirty="0"/>
+              <a:t>:</a:t>
+            </a:r>
+          </a:p>
+          <a:p>
+            <a:r>
+              <a:rPr lang="en-US" sz="1100" i="1" dirty="0"/>
+              <a:t>	Link to additional documentation</a:t>
+            </a:r>
+          </a:p>
+          <a:p>
+            <a:r>
+              <a:rPr lang="en-US" sz="1100" dirty="0"/>
+              <a:t>	</a:t>
+            </a:r>
+            <a:r>
+              <a:rPr lang="en-US" sz="1100" dirty="0">
+                <a:hlinkClick r:id="rId6"/>
+              </a:rPr>
+              <a:t>https://swagger.io/specification/#externalDocumentationObject</a:t>
+            </a:r>
+            <a:r>
+              <a:rPr lang="en-US" sz="1100" dirty="0"/>
+              <a:t> </a:t>
+            </a:r>
           </a:p>
         </p:txBody>
       </p:sp>
@@ -30467,7 +30057,7 @@
           <a:bodyPr/>
           <a:lstStyle/>
           <a:p>
-            <a:endParaRPr lang="en-US" dirty="0"/>
+            <a:endParaRPr lang="en-US"/>
           </a:p>
         </p:txBody>
       </p:sp>
@@ -30494,47 +30084,78 @@
           <a:p>
             <a:r>
               <a:rPr lang="en-US" dirty="0"/>
-              <a:t>Input and output data types</a:t>
-            </a:r>
-          </a:p>
-          <a:p>
+              <a:t>Swagger Editor</a:t>
+            </a:r>
+          </a:p>
+          <a:p>
+            <a:pPr lvl="1"/>
+            <a:r>
+              <a:rPr lang="en-US" dirty="0">
+                <a:hlinkClick r:id="rId7"/>
+              </a:rPr>
+              <a:t>https://editor.swagger.io</a:t>
+            </a:r>
             <a:r>
               <a:rPr lang="en-US" dirty="0"/>
-              <a:t>Tip: Use </a:t>
-            </a:r>
-            <a:r>
-              <a:rPr lang="en-US" i="1" dirty="0"/>
-              <a:t>$ref</a:t>
-            </a:r>
+              <a:t> </a:t>
+            </a:r>
+          </a:p>
+          <a:p>
             <a:r>
               <a:rPr lang="en-US" dirty="0"/>
-              <a:t> to reference schema objects that are used in multiple locations</a:t>
-            </a:r>
-          </a:p>
-          <a:p>
+              <a:t>Swagger Hub</a:t>
+            </a:r>
+          </a:p>
+          <a:p>
+            <a:pPr lvl="1"/>
+            <a:r>
+              <a:rPr lang="en-US" dirty="0">
+                <a:hlinkClick r:id="rId8"/>
+              </a:rPr>
+              <a:t>https://app.swaggerhub.com/</a:t>
+            </a:r>
             <a:r>
               <a:rPr lang="en-US" dirty="0"/>
-              <a:t>Derive from other schemas</a:t>
+              <a:t> </a:t>
+            </a:r>
+          </a:p>
+          <a:p>
+            <a:r>
+              <a:rPr lang="en-US" dirty="0"/>
+              <a:t>Docker Image</a:t>
             </a:r>
           </a:p>
           <a:p>
             <a:pPr lvl="1"/>
             <a:r>
-              <a:rPr lang="en-US" dirty="0" err="1"/>
-              <a:t>allOf</a:t>
-            </a:r>
+              <a:rPr lang="en-US" dirty="0" err="1">
+                <a:hlinkClick r:id="rId9"/>
+              </a:rPr>
+              <a:t>swaggerapi</a:t>
+            </a:r>
+            <a:r>
+              <a:rPr lang="en-US" dirty="0">
+                <a:hlinkClick r:id="rId9"/>
+              </a:rPr>
+              <a:t>/swagger-editor</a:t>
+            </a:r>
+            <a:endParaRPr lang="en-US" dirty="0"/>
+          </a:p>
+          <a:p>
             <a:r>
               <a:rPr lang="en-US" dirty="0"/>
-              <a:t>, </a:t>
-            </a:r>
-            <a:r>
-              <a:rPr lang="en-US" dirty="0" err="1"/>
-              <a:t>oneOf</a:t>
-            </a:r>
-            <a:r>
-              <a:rPr lang="en-US" dirty="0"/>
-              <a:t>, …</a:t>
-            </a:r>
+              <a:t>NPM Package</a:t>
+            </a:r>
+          </a:p>
+          <a:p>
+            <a:pPr lvl="1"/>
+            <a:r>
+              <a:rPr lang="en-US" dirty="0">
+                <a:hlinkClick r:id="rId10"/>
+              </a:rPr>
+              <a:t>swagger-editor</a:t>
+            </a:r>
+            <a:endParaRPr lang="en-US" dirty="0"/>
           </a:p>
         </p:txBody>
       </p:sp>
@@ -30560,6 +30181,739 @@
           <a:lstStyle/>
           <a:p>
             <a:r>
+              <a:rPr lang="en-US">
+                <a:hlinkClick r:id="rId11"/>
+              </a:rPr>
+              <a:t>https://swagger.io/specification/#oasObject</a:t>
+            </a:r>
+            <a:r>
+              <a:rPr lang="en-US"/>
+              <a:t> </a:t>
+            </a:r>
+          </a:p>
+        </p:txBody>
+      </p:sp>
+    </p:spTree>
+    <p:extLst>
+      <p:ext uri="{BB962C8B-B14F-4D97-AF65-F5344CB8AC3E}">
+        <p14:creationId xmlns:p14="http://schemas.microsoft.com/office/powerpoint/2010/main" val="1385446084"/>
+      </p:ext>
+    </p:extLst>
+  </p:cSld>
+  <p:clrMapOvr>
+    <a:masterClrMapping/>
+  </p:clrMapOvr>
+  <p:transition spd="slow">
+    <p:push/>
+  </p:transition>
+</p:sld>
+</file>
+
+<file path=ppt/slides/slide13.xml><?xml version="1.0" encoding="utf-8"?>
+<p:sld xmlns:a="http://schemas.openxmlformats.org/drawingml/2006/main" xmlns:r="http://schemas.openxmlformats.org/officeDocument/2006/relationships" xmlns:p="http://schemas.openxmlformats.org/presentationml/2006/main">
+  <p:cSld>
+    <p:spTree>
+      <p:nvGrpSpPr>
+        <p:cNvPr id="1" name=""/>
+        <p:cNvGrpSpPr/>
+        <p:nvPr/>
+      </p:nvGrpSpPr>
+      <p:grpSpPr>
+        <a:xfrm>
+          <a:off x="0" y="0"/>
+          <a:ext cx="0" cy="0"/>
+          <a:chOff x="0" y="0"/>
+          <a:chExt cx="0" cy="0"/>
+        </a:xfrm>
+      </p:grpSpPr>
+      <p:sp>
+        <p:nvSpPr>
+          <p:cNvPr id="5" name="Title 4">
+            <a:extLst>
+              <a:ext uri="{FF2B5EF4-FFF2-40B4-BE49-F238E27FC236}">
+                <a16:creationId xmlns:a16="http://schemas.microsoft.com/office/drawing/2014/main" id="{85F43DAA-69EB-4EA7-AEEB-CD58A2FDC835}"/>
+              </a:ext>
+            </a:extLst>
+          </p:cNvPr>
+          <p:cNvSpPr>
+            <a:spLocks noGrp="1"/>
+          </p:cNvSpPr>
+          <p:nvPr>
+            <p:ph type="title"/>
+          </p:nvPr>
+        </p:nvSpPr>
+        <p:spPr/>
+        <p:txBody>
+          <a:bodyPr/>
+          <a:lstStyle/>
+          <a:p>
+            <a:r>
+              <a:rPr lang="en-US" dirty="0"/>
+              <a:t>Path Items</a:t>
+            </a:r>
+          </a:p>
+        </p:txBody>
+      </p:sp>
+      <p:sp>
+        <p:nvSpPr>
+          <p:cNvPr id="6" name="Content Placeholder 5">
+            <a:extLst>
+              <a:ext uri="{FF2B5EF4-FFF2-40B4-BE49-F238E27FC236}">
+                <a16:creationId xmlns:a16="http://schemas.microsoft.com/office/drawing/2014/main" id="{D26EDAE2-9F27-4FE7-B19C-B770C6C434B4}"/>
+              </a:ext>
+            </a:extLst>
+          </p:cNvPr>
+          <p:cNvSpPr>
+            <a:spLocks noGrp="1"/>
+          </p:cNvSpPr>
+          <p:nvPr>
+            <p:ph sz="quarter" idx="22"/>
+          </p:nvPr>
+        </p:nvSpPr>
+        <p:spPr/>
+        <p:txBody>
+          <a:bodyPr/>
+          <a:lstStyle/>
+          <a:p>
+            <a:r>
+              <a:rPr lang="en-US" sz="1600" dirty="0"/>
+              <a:t>summary: …</a:t>
+            </a:r>
+          </a:p>
+          <a:p>
+            <a:r>
+              <a:rPr lang="en-US" sz="1600" dirty="0"/>
+              <a:t>description: …</a:t>
+            </a:r>
+          </a:p>
+          <a:p>
+            <a:r>
+              <a:rPr lang="en-US" sz="1600" dirty="0"/>
+              <a:t>get | post | put | delete …:</a:t>
+            </a:r>
+          </a:p>
+          <a:p>
+            <a:r>
+              <a:rPr lang="en-US" sz="1100" i="1" dirty="0"/>
+              <a:t>	Definition of operations</a:t>
+            </a:r>
+          </a:p>
+          <a:p>
+            <a:r>
+              <a:rPr lang="en-US" sz="1100" dirty="0"/>
+              <a:t>	</a:t>
+            </a:r>
+            <a:r>
+              <a:rPr lang="en-US" sz="1100" dirty="0">
+                <a:hlinkClick r:id="rId2"/>
+              </a:rPr>
+              <a:t>https://swagger.io/specification/#operationObject</a:t>
+            </a:r>
+            <a:r>
+              <a:rPr lang="en-US" sz="1100" dirty="0"/>
+              <a:t> </a:t>
+            </a:r>
+          </a:p>
+          <a:p>
+            <a:r>
+              <a:rPr lang="en-US" sz="1600" dirty="0"/>
+              <a:t>	</a:t>
+            </a:r>
+            <a:r>
+              <a:rPr lang="en-US" sz="1100" i="1" dirty="0" err="1"/>
+              <a:t>Metdata</a:t>
+            </a:r>
+            <a:r>
+              <a:rPr lang="en-US" sz="1100" i="1" dirty="0"/>
+              <a:t> like </a:t>
+            </a:r>
+            <a:r>
+              <a:rPr lang="en-US" sz="1600" dirty="0"/>
+              <a:t>tags, summary, description…</a:t>
+            </a:r>
+          </a:p>
+          <a:p>
+            <a:r>
+              <a:rPr lang="en-US" sz="1600" dirty="0"/>
+              <a:t>	</a:t>
+            </a:r>
+            <a:r>
+              <a:rPr lang="en-US" sz="1600" dirty="0" err="1"/>
+              <a:t>operationId</a:t>
+            </a:r>
+            <a:r>
+              <a:rPr lang="en-US" sz="1600" dirty="0"/>
+              <a:t>:</a:t>
+            </a:r>
+          </a:p>
+          <a:p>
+            <a:r>
+              <a:rPr lang="en-US" sz="1100" dirty="0"/>
+              <a:t>		Unique string used to identify the operation</a:t>
+            </a:r>
+          </a:p>
+          <a:p>
+            <a:r>
+              <a:rPr lang="en-US" sz="1600" dirty="0"/>
+              <a:t>	parameters:</a:t>
+            </a:r>
+          </a:p>
+          <a:p>
+            <a:r>
+              <a:rPr lang="en-US" sz="1100" dirty="0"/>
+              <a:t>		A list of parameters that are applicable for this operation</a:t>
+            </a:r>
+          </a:p>
+          <a:p>
+            <a:r>
+              <a:rPr lang="en-US" sz="1100" dirty="0"/>
+              <a:t>		</a:t>
+            </a:r>
+            <a:r>
+              <a:rPr lang="en-US" sz="1100" dirty="0">
+                <a:hlinkClick r:id="rId3"/>
+              </a:rPr>
+              <a:t>https://swagger.io/specification/#parameterObject</a:t>
+            </a:r>
+            <a:r>
+              <a:rPr lang="en-US" sz="1100" dirty="0"/>
+              <a:t> </a:t>
+            </a:r>
+          </a:p>
+          <a:p>
+            <a:r>
+              <a:rPr lang="en-US" sz="1600" dirty="0"/>
+              <a:t>	</a:t>
+            </a:r>
+            <a:r>
+              <a:rPr lang="en-US" sz="1600" dirty="0" err="1"/>
+              <a:t>requestBody</a:t>
+            </a:r>
+            <a:r>
+              <a:rPr lang="en-US" sz="1600" dirty="0"/>
+              <a:t>:</a:t>
+            </a:r>
+          </a:p>
+          <a:p>
+            <a:r>
+              <a:rPr lang="en-US" sz="1100" dirty="0"/>
+              <a:t>		</a:t>
+            </a:r>
+            <a:r>
+              <a:rPr lang="en-US" sz="1100" dirty="0">
+                <a:hlinkClick r:id="rId4"/>
+              </a:rPr>
+              <a:t>https://swagger.io/specification/#requestBodyObject</a:t>
+            </a:r>
+            <a:r>
+              <a:rPr lang="en-US" sz="1100" dirty="0"/>
+              <a:t> </a:t>
+            </a:r>
+          </a:p>
+          <a:p>
+            <a:r>
+              <a:rPr lang="en-US" sz="1600" dirty="0"/>
+              <a:t>	responses:</a:t>
+            </a:r>
+          </a:p>
+          <a:p>
+            <a:r>
+              <a:rPr lang="en-US" sz="1100" dirty="0"/>
+              <a:t>		https://swagger.io/specification/#responsesObject</a:t>
+            </a:r>
+          </a:p>
+          <a:p>
+            <a:r>
+              <a:rPr lang="en-US" sz="1600" dirty="0"/>
+              <a:t>	deprecated: …</a:t>
+            </a:r>
+          </a:p>
+          <a:p>
+            <a:r>
+              <a:rPr lang="en-US" sz="1600" dirty="0"/>
+              <a:t>	security: …</a:t>
+            </a:r>
+          </a:p>
+          <a:p>
+            <a:r>
+              <a:rPr lang="en-US" sz="1600" dirty="0"/>
+              <a:t>	servers: …</a:t>
+            </a:r>
+          </a:p>
+          <a:p>
+            <a:r>
+              <a:rPr lang="en-US" sz="1600" dirty="0"/>
+              <a:t>servers: </a:t>
+            </a:r>
+          </a:p>
+          <a:p>
+            <a:r>
+              <a:rPr lang="en-US" sz="1100" i="1" dirty="0"/>
+              <a:t>	Alternative servers</a:t>
+            </a:r>
+          </a:p>
+          <a:p>
+            <a:r>
+              <a:rPr lang="en-US" sz="1600" dirty="0"/>
+              <a:t>parameters:</a:t>
+            </a:r>
+          </a:p>
+          <a:p>
+            <a:r>
+              <a:rPr lang="en-US" sz="1100" i="1" dirty="0"/>
+              <a:t>	Parameters applicable for all operations of this path</a:t>
+            </a:r>
+          </a:p>
+        </p:txBody>
+      </p:sp>
+      <p:sp>
+        <p:nvSpPr>
+          <p:cNvPr id="7" name="Text Placeholder 6">
+            <a:extLst>
+              <a:ext uri="{FF2B5EF4-FFF2-40B4-BE49-F238E27FC236}">
+                <a16:creationId xmlns:a16="http://schemas.microsoft.com/office/drawing/2014/main" id="{B52F711E-6CE0-46B0-BBEA-1A426BB9D90F}"/>
+              </a:ext>
+            </a:extLst>
+          </p:cNvPr>
+          <p:cNvSpPr>
+            <a:spLocks noGrp="1"/>
+          </p:cNvSpPr>
+          <p:nvPr>
+            <p:ph type="body" sz="quarter" idx="23"/>
+          </p:nvPr>
+        </p:nvSpPr>
+        <p:spPr/>
+        <p:txBody>
+          <a:bodyPr/>
+          <a:lstStyle/>
+          <a:p>
+            <a:endParaRPr lang="en-US"/>
+          </a:p>
+        </p:txBody>
+      </p:sp>
+      <p:sp>
+        <p:nvSpPr>
+          <p:cNvPr id="8" name="Text Placeholder 7">
+            <a:extLst>
+              <a:ext uri="{FF2B5EF4-FFF2-40B4-BE49-F238E27FC236}">
+                <a16:creationId xmlns:a16="http://schemas.microsoft.com/office/drawing/2014/main" id="{6142D4AC-0F9D-4F34-8B98-B68CBDF3EBEB}"/>
+              </a:ext>
+            </a:extLst>
+          </p:cNvPr>
+          <p:cNvSpPr>
+            <a:spLocks noGrp="1"/>
+          </p:cNvSpPr>
+          <p:nvPr>
+            <p:ph type="body" sz="quarter" idx="24"/>
+          </p:nvPr>
+        </p:nvSpPr>
+        <p:spPr/>
+        <p:txBody>
+          <a:bodyPr/>
+          <a:lstStyle/>
+          <a:p>
+            <a:r>
+              <a:rPr lang="en-US" dirty="0"/>
+              <a:t>Tip: Use </a:t>
+            </a:r>
+            <a:r>
+              <a:rPr lang="en-US" i="1" dirty="0"/>
+              <a:t>$ref</a:t>
+            </a:r>
+            <a:r>
+              <a:rPr lang="en-US" dirty="0"/>
+              <a:t> to reference external document</a:t>
+            </a:r>
+          </a:p>
+        </p:txBody>
+      </p:sp>
+      <p:sp>
+        <p:nvSpPr>
+          <p:cNvPr id="9" name="Text Placeholder 8">
+            <a:extLst>
+              <a:ext uri="{FF2B5EF4-FFF2-40B4-BE49-F238E27FC236}">
+                <a16:creationId xmlns:a16="http://schemas.microsoft.com/office/drawing/2014/main" id="{D11BCDF4-B82B-4EC3-A978-8864E4D7E45B}"/>
+              </a:ext>
+            </a:extLst>
+          </p:cNvPr>
+          <p:cNvSpPr>
+            <a:spLocks noGrp="1"/>
+          </p:cNvSpPr>
+          <p:nvPr>
+            <p:ph type="body" sz="quarter" idx="25"/>
+          </p:nvPr>
+        </p:nvSpPr>
+        <p:spPr/>
+        <p:txBody>
+          <a:bodyPr/>
+          <a:lstStyle/>
+          <a:p>
+            <a:r>
+              <a:rPr lang="en-US" dirty="0">
+                <a:hlinkClick r:id="rId5"/>
+              </a:rPr>
+              <a:t>https://swagger.io/specification/#pathItemObject</a:t>
+            </a:r>
+            <a:r>
+              <a:rPr lang="en-US" dirty="0"/>
+              <a:t> </a:t>
+            </a:r>
+          </a:p>
+        </p:txBody>
+      </p:sp>
+    </p:spTree>
+    <p:extLst>
+      <p:ext uri="{BB962C8B-B14F-4D97-AF65-F5344CB8AC3E}">
+        <p14:creationId xmlns:p14="http://schemas.microsoft.com/office/powerpoint/2010/main" val="19930296"/>
+      </p:ext>
+    </p:extLst>
+  </p:cSld>
+  <p:clrMapOvr>
+    <a:masterClrMapping/>
+  </p:clrMapOvr>
+  <p:transition spd="slow">
+    <p:push/>
+  </p:transition>
+</p:sld>
+</file>
+
+<file path=ppt/slides/slide14.xml><?xml version="1.0" encoding="utf-8"?>
+<p:sld xmlns:a="http://schemas.openxmlformats.org/drawingml/2006/main" xmlns:r="http://schemas.openxmlformats.org/officeDocument/2006/relationships" xmlns:p="http://schemas.openxmlformats.org/presentationml/2006/main">
+  <p:cSld>
+    <p:spTree>
+      <p:nvGrpSpPr>
+        <p:cNvPr id="1" name=""/>
+        <p:cNvGrpSpPr/>
+        <p:nvPr/>
+      </p:nvGrpSpPr>
+      <p:grpSpPr>
+        <a:xfrm>
+          <a:off x="0" y="0"/>
+          <a:ext cx="0" cy="0"/>
+          <a:chOff x="0" y="0"/>
+          <a:chExt cx="0" cy="0"/>
+        </a:xfrm>
+      </p:grpSpPr>
+      <p:sp>
+        <p:nvSpPr>
+          <p:cNvPr id="5" name="Title 4">
+            <a:extLst>
+              <a:ext uri="{FF2B5EF4-FFF2-40B4-BE49-F238E27FC236}">
+                <a16:creationId xmlns:a16="http://schemas.microsoft.com/office/drawing/2014/main" id="{85F43DAA-69EB-4EA7-AEEB-CD58A2FDC835}"/>
+              </a:ext>
+            </a:extLst>
+          </p:cNvPr>
+          <p:cNvSpPr>
+            <a:spLocks noGrp="1"/>
+          </p:cNvSpPr>
+          <p:nvPr>
+            <p:ph type="title"/>
+          </p:nvPr>
+        </p:nvSpPr>
+        <p:spPr/>
+        <p:txBody>
+          <a:bodyPr/>
+          <a:lstStyle/>
+          <a:p>
+            <a:r>
+              <a:rPr lang="en-US" dirty="0"/>
+              <a:t>Schema</a:t>
+            </a:r>
+          </a:p>
+        </p:txBody>
+      </p:sp>
+      <p:sp>
+        <p:nvSpPr>
+          <p:cNvPr id="6" name="Content Placeholder 5">
+            <a:extLst>
+              <a:ext uri="{FF2B5EF4-FFF2-40B4-BE49-F238E27FC236}">
+                <a16:creationId xmlns:a16="http://schemas.microsoft.com/office/drawing/2014/main" id="{D26EDAE2-9F27-4FE7-B19C-B770C6C434B4}"/>
+              </a:ext>
+            </a:extLst>
+          </p:cNvPr>
+          <p:cNvSpPr>
+            <a:spLocks noGrp="1"/>
+          </p:cNvSpPr>
+          <p:nvPr>
+            <p:ph sz="quarter" idx="22"/>
+          </p:nvPr>
+        </p:nvSpPr>
+        <p:spPr/>
+        <p:txBody>
+          <a:bodyPr/>
+          <a:lstStyle/>
+          <a:p>
+            <a:r>
+              <a:rPr lang="en-US" sz="1600" dirty="0"/>
+              <a:t>type: object | array | </a:t>
+            </a:r>
+            <a:r>
+              <a:rPr lang="en-US" sz="1600" i="1" dirty="0"/>
+              <a:t>primitive data type</a:t>
+            </a:r>
+          </a:p>
+          <a:p>
+            <a:r>
+              <a:rPr lang="en-US" sz="1600" dirty="0"/>
+              <a:t>format: …</a:t>
+            </a:r>
+            <a:r>
+              <a:rPr lang="en-US" sz="1100" i="1" dirty="0"/>
+              <a:t> (see data types)</a:t>
+            </a:r>
+            <a:endParaRPr lang="en-US" sz="1600" i="1" dirty="0"/>
+          </a:p>
+          <a:p>
+            <a:r>
+              <a:rPr lang="en-US" sz="1600" dirty="0"/>
+              <a:t>properties:</a:t>
+            </a:r>
+          </a:p>
+          <a:p>
+            <a:r>
+              <a:rPr lang="en-US" sz="1100" dirty="0"/>
+              <a:t>	Property definitions</a:t>
+            </a:r>
+          </a:p>
+          <a:p>
+            <a:r>
+              <a:rPr lang="en-US" sz="1100" dirty="0"/>
+              <a:t>	</a:t>
+            </a:r>
+            <a:r>
+              <a:rPr lang="en-US" sz="1100" dirty="0">
+                <a:hlinkClick r:id="rId2"/>
+              </a:rPr>
+              <a:t>https://swagger.io/specification/#schemaObject</a:t>
+            </a:r>
+            <a:r>
+              <a:rPr lang="en-US" sz="1100" dirty="0"/>
+              <a:t> </a:t>
+            </a:r>
+          </a:p>
+          <a:p>
+            <a:r>
+              <a:rPr lang="en-US" sz="1600" dirty="0"/>
+              <a:t>nullable: …</a:t>
+            </a:r>
+          </a:p>
+          <a:p>
+            <a:r>
+              <a:rPr lang="en-US" sz="1600" dirty="0"/>
+              <a:t>discriminator:</a:t>
+            </a:r>
+          </a:p>
+          <a:p>
+            <a:r>
+              <a:rPr lang="en-US" sz="1100" i="1" dirty="0"/>
+              <a:t>	Support for polymorphism</a:t>
+            </a:r>
+          </a:p>
+          <a:p>
+            <a:r>
+              <a:rPr lang="en-US" sz="1100" dirty="0"/>
+              <a:t>	</a:t>
+            </a:r>
+            <a:r>
+              <a:rPr lang="en-US" sz="1100" dirty="0">
+                <a:hlinkClick r:id="rId3"/>
+              </a:rPr>
+              <a:t>https://swagger.io/specification/#schemaComposition</a:t>
+            </a:r>
+            <a:r>
+              <a:rPr lang="en-US" sz="1100" dirty="0"/>
+              <a:t> </a:t>
+            </a:r>
+          </a:p>
+          <a:p>
+            <a:r>
+              <a:rPr lang="en-US" sz="1600" dirty="0" err="1"/>
+              <a:t>readOnly</a:t>
+            </a:r>
+            <a:r>
+              <a:rPr lang="en-US" sz="1600" dirty="0"/>
+              <a:t>: …</a:t>
+            </a:r>
+          </a:p>
+          <a:p>
+            <a:r>
+              <a:rPr lang="en-US" sz="1600" dirty="0" err="1"/>
+              <a:t>writeOnly</a:t>
+            </a:r>
+            <a:r>
+              <a:rPr lang="en-US" sz="1600" dirty="0"/>
+              <a:t>: …</a:t>
+            </a:r>
+          </a:p>
+          <a:p>
+            <a:r>
+              <a:rPr lang="en-US" sz="1600" dirty="0"/>
+              <a:t>xml:</a:t>
+            </a:r>
+          </a:p>
+          <a:p>
+            <a:r>
+              <a:rPr lang="en-US" sz="1100" dirty="0"/>
+              <a:t>	Describes XML representation of property</a:t>
+            </a:r>
+          </a:p>
+          <a:p>
+            <a:r>
+              <a:rPr lang="en-US" sz="1100" dirty="0"/>
+              <a:t>	</a:t>
+            </a:r>
+            <a:r>
+              <a:rPr lang="en-US" sz="1100" dirty="0">
+                <a:hlinkClick r:id="rId4"/>
+              </a:rPr>
+              <a:t>https://swagger.io/specification/#xmlObject</a:t>
+            </a:r>
+            <a:r>
+              <a:rPr lang="en-US" sz="1100" dirty="0"/>
+              <a:t> </a:t>
+            </a:r>
+          </a:p>
+          <a:p>
+            <a:r>
+              <a:rPr lang="en-US" sz="1600" dirty="0" err="1"/>
+              <a:t>externalDocs</a:t>
+            </a:r>
+            <a:r>
+              <a:rPr lang="en-US" sz="1600" dirty="0"/>
+              <a:t>: …</a:t>
+            </a:r>
+          </a:p>
+          <a:p>
+            <a:r>
+              <a:rPr lang="en-US" sz="1600" dirty="0"/>
+              <a:t>example: …</a:t>
+            </a:r>
+          </a:p>
+          <a:p>
+            <a:r>
+              <a:rPr lang="en-US" sz="1600" dirty="0"/>
+              <a:t>deprecated: …</a:t>
+            </a:r>
+          </a:p>
+          <a:p>
+            <a:endParaRPr lang="en-US" sz="1100" i="1" dirty="0"/>
+          </a:p>
+        </p:txBody>
+      </p:sp>
+      <p:sp>
+        <p:nvSpPr>
+          <p:cNvPr id="7" name="Text Placeholder 6">
+            <a:extLst>
+              <a:ext uri="{FF2B5EF4-FFF2-40B4-BE49-F238E27FC236}">
+                <a16:creationId xmlns:a16="http://schemas.microsoft.com/office/drawing/2014/main" id="{B52F711E-6CE0-46B0-BBEA-1A426BB9D90F}"/>
+              </a:ext>
+            </a:extLst>
+          </p:cNvPr>
+          <p:cNvSpPr>
+            <a:spLocks noGrp="1"/>
+          </p:cNvSpPr>
+          <p:nvPr>
+            <p:ph type="body" sz="quarter" idx="23"/>
+          </p:nvPr>
+        </p:nvSpPr>
+        <p:spPr/>
+        <p:txBody>
+          <a:bodyPr/>
+          <a:lstStyle/>
+          <a:p>
+            <a:endParaRPr lang="en-US" dirty="0"/>
+          </a:p>
+        </p:txBody>
+      </p:sp>
+      <p:sp>
+        <p:nvSpPr>
+          <p:cNvPr id="8" name="Text Placeholder 7">
+            <a:extLst>
+              <a:ext uri="{FF2B5EF4-FFF2-40B4-BE49-F238E27FC236}">
+                <a16:creationId xmlns:a16="http://schemas.microsoft.com/office/drawing/2014/main" id="{6142D4AC-0F9D-4F34-8B98-B68CBDF3EBEB}"/>
+              </a:ext>
+            </a:extLst>
+          </p:cNvPr>
+          <p:cNvSpPr>
+            <a:spLocks noGrp="1"/>
+          </p:cNvSpPr>
+          <p:nvPr>
+            <p:ph type="body" sz="quarter" idx="24"/>
+          </p:nvPr>
+        </p:nvSpPr>
+        <p:spPr/>
+        <p:txBody>
+          <a:bodyPr/>
+          <a:lstStyle/>
+          <a:p>
+            <a:r>
+              <a:rPr lang="en-US" dirty="0"/>
+              <a:t>Input and output data types</a:t>
+            </a:r>
+          </a:p>
+          <a:p>
+            <a:r>
+              <a:rPr lang="en-US" dirty="0"/>
+              <a:t>Tip: Use </a:t>
+            </a:r>
+            <a:r>
+              <a:rPr lang="en-US" i="1" dirty="0"/>
+              <a:t>$ref</a:t>
+            </a:r>
+            <a:r>
+              <a:rPr lang="en-US" dirty="0"/>
+              <a:t> to reference schema objects that are used in multiple locations</a:t>
+            </a:r>
+          </a:p>
+          <a:p>
+            <a:r>
+              <a:rPr lang="en-US" dirty="0"/>
+              <a:t>Derive from other schemas</a:t>
+            </a:r>
+          </a:p>
+          <a:p>
+            <a:pPr lvl="1"/>
+            <a:r>
+              <a:rPr lang="en-US" dirty="0" err="1"/>
+              <a:t>allOf</a:t>
+            </a:r>
+            <a:r>
+              <a:rPr lang="en-US" dirty="0"/>
+              <a:t>, </a:t>
+            </a:r>
+            <a:r>
+              <a:rPr lang="en-US" dirty="0" err="1"/>
+              <a:t>oneOf</a:t>
+            </a:r>
+            <a:r>
+              <a:rPr lang="en-US" dirty="0"/>
+              <a:t>, …</a:t>
+            </a:r>
+          </a:p>
+        </p:txBody>
+      </p:sp>
+      <p:sp>
+        <p:nvSpPr>
+          <p:cNvPr id="9" name="Text Placeholder 8">
+            <a:extLst>
+              <a:ext uri="{FF2B5EF4-FFF2-40B4-BE49-F238E27FC236}">
+                <a16:creationId xmlns:a16="http://schemas.microsoft.com/office/drawing/2014/main" id="{D11BCDF4-B82B-4EC3-A978-8864E4D7E45B}"/>
+              </a:ext>
+            </a:extLst>
+          </p:cNvPr>
+          <p:cNvSpPr>
+            <a:spLocks noGrp="1"/>
+          </p:cNvSpPr>
+          <p:nvPr>
+            <p:ph type="body" sz="quarter" idx="25"/>
+          </p:nvPr>
+        </p:nvSpPr>
+        <p:spPr/>
+        <p:txBody>
+          <a:bodyPr/>
+          <a:lstStyle/>
+          <a:p>
+            <a:r>
               <a:rPr lang="en-US" dirty="0">
                 <a:hlinkClick r:id="rId2"/>
               </a:rPr>
@@ -30588,7 +30942,7 @@
 </p:sld>
 </file>
 
-<file path=ppt/slides/slide13.xml><?xml version="1.0" encoding="utf-8"?>
+<file path=ppt/slides/slide15.xml><?xml version="1.0" encoding="utf-8"?>
 <p:sld xmlns:a="http://schemas.openxmlformats.org/drawingml/2006/main" xmlns:r="http://schemas.openxmlformats.org/officeDocument/2006/relationships" xmlns:p="http://schemas.openxmlformats.org/presentationml/2006/main">
   <p:cSld>
     <p:spTree>
@@ -30731,396 +31085,6 @@
 </p:sld>
 </file>
 
-<file path=ppt/slides/slide14.xml><?xml version="1.0" encoding="utf-8"?>
-<p:sld xmlns:a="http://schemas.openxmlformats.org/drawingml/2006/main" xmlns:r="http://schemas.openxmlformats.org/officeDocument/2006/relationships" xmlns:p="http://schemas.openxmlformats.org/presentationml/2006/main">
-  <p:cSld>
-    <p:spTree>
-      <p:nvGrpSpPr>
-        <p:cNvPr id="1" name=""/>
-        <p:cNvGrpSpPr/>
-        <p:nvPr/>
-      </p:nvGrpSpPr>
-      <p:grpSpPr>
-        <a:xfrm>
-          <a:off x="0" y="0"/>
-          <a:ext cx="0" cy="0"/>
-          <a:chOff x="0" y="0"/>
-          <a:chExt cx="0" cy="0"/>
-        </a:xfrm>
-      </p:grpSpPr>
-      <p:sp>
-        <p:nvSpPr>
-          <p:cNvPr id="4" name="Title 3">
-            <a:extLst>
-              <a:ext uri="{FF2B5EF4-FFF2-40B4-BE49-F238E27FC236}">
-                <a16:creationId xmlns:a16="http://schemas.microsoft.com/office/drawing/2014/main" id="{40948AC8-38CE-4D20-9906-9C3EAEE4AF69}"/>
-              </a:ext>
-            </a:extLst>
-          </p:cNvPr>
-          <p:cNvSpPr>
-            <a:spLocks noGrp="1"/>
-          </p:cNvSpPr>
-          <p:nvPr>
-            <p:ph type="title"/>
-          </p:nvPr>
-        </p:nvSpPr>
-        <p:spPr/>
-        <p:txBody>
-          <a:bodyPr/>
-          <a:lstStyle/>
-          <a:p>
-            <a:r>
-              <a:rPr lang="en-US"/>
-              <a:t>Exercise</a:t>
-            </a:r>
-          </a:p>
-        </p:txBody>
-      </p:sp>
-      <p:sp>
-        <p:nvSpPr>
-          <p:cNvPr id="5" name="Content Placeholder 4">
-            <a:extLst>
-              <a:ext uri="{FF2B5EF4-FFF2-40B4-BE49-F238E27FC236}">
-                <a16:creationId xmlns:a16="http://schemas.microsoft.com/office/drawing/2014/main" id="{841E4D78-0962-4D1B-84A4-D93F90D98F33}"/>
-              </a:ext>
-            </a:extLst>
-          </p:cNvPr>
-          <p:cNvSpPr>
-            <a:spLocks noGrp="1"/>
-          </p:cNvSpPr>
-          <p:nvPr>
-            <p:ph sz="quarter" idx="12"/>
-          </p:nvPr>
-        </p:nvSpPr>
-        <p:spPr/>
-        <p:txBody>
-          <a:bodyPr/>
-          <a:lstStyle/>
-          <a:p>
-            <a:r>
-              <a:rPr lang="en-US" dirty="0"/>
-              <a:t>Write an </a:t>
-            </a:r>
-            <a:r>
-              <a:rPr lang="en-US" dirty="0" err="1"/>
-              <a:t>OpenAPI</a:t>
-            </a:r>
-            <a:r>
-              <a:rPr lang="en-US" dirty="0"/>
-              <a:t> spec for the following RESTful Web API</a:t>
-            </a:r>
-          </a:p>
-          <a:p>
-            <a:pPr lvl="1"/>
-            <a:r>
-              <a:rPr lang="en-US" dirty="0"/>
-              <a:t>Use a Swagger tool (e.g. Editor, Hub) or </a:t>
-            </a:r>
-            <a:r>
-              <a:rPr lang="en-US" dirty="0">
-                <a:hlinkClick r:id="rId2"/>
-              </a:rPr>
-              <a:t>Visual Studio Code</a:t>
-            </a:r>
-            <a:endParaRPr lang="en-US" dirty="0"/>
-          </a:p>
-          <a:p>
-            <a:pPr lvl="1"/>
-            <a:r>
-              <a:rPr lang="en-US" dirty="0"/>
-              <a:t>Verify your spec with </a:t>
-            </a:r>
-            <a:r>
-              <a:rPr lang="en-US" i="1" dirty="0"/>
-              <a:t>Swagger Editor </a:t>
-            </a:r>
-            <a:r>
-              <a:rPr lang="en-US" dirty="0"/>
-              <a:t>or </a:t>
-            </a:r>
-            <a:r>
-              <a:rPr lang="en-US" i="1" dirty="0"/>
-              <a:t>Hub</a:t>
-            </a:r>
-          </a:p>
-          <a:p>
-            <a:r>
-              <a:rPr lang="en-US" dirty="0"/>
-              <a:t>See API description on the following slides</a:t>
-            </a:r>
-          </a:p>
-          <a:p>
-            <a:r>
-              <a:rPr lang="en-US" dirty="0"/>
-              <a:t>Make proper assumptions for min, max, length, etc.</a:t>
-            </a:r>
-          </a:p>
-          <a:p>
-            <a:r>
-              <a:rPr lang="en-US" dirty="0"/>
-              <a:t>Sample Implementation</a:t>
-            </a:r>
-          </a:p>
-          <a:p>
-            <a:pPr lvl="1"/>
-            <a:r>
-              <a:rPr lang="en-US" dirty="0">
-                <a:hlinkClick r:id="rId3"/>
-              </a:rPr>
-              <a:t>API Spec YAML</a:t>
-            </a:r>
-            <a:endParaRPr lang="en-US" dirty="0">
-              <a:hlinkClick r:id="rId4"/>
-            </a:endParaRPr>
-          </a:p>
-          <a:p>
-            <a:pPr lvl="1"/>
-            <a:r>
-              <a:rPr lang="en-US" dirty="0">
-                <a:hlinkClick r:id="rId4"/>
-              </a:rPr>
-              <a:t>Source on GitHub</a:t>
-            </a:r>
-            <a:r>
-              <a:rPr lang="en-US" dirty="0"/>
-              <a:t> (API spec, implementation with Node.js)</a:t>
-            </a:r>
-          </a:p>
-          <a:p>
-            <a:pPr lvl="1"/>
-            <a:r>
-              <a:rPr lang="en-US" dirty="0"/>
-              <a:t>Deployment in Azure at </a:t>
-            </a:r>
-            <a:r>
-              <a:rPr lang="de-AT" dirty="0">
-                <a:hlinkClick r:id="rId5"/>
-              </a:rPr>
-              <a:t>https://swagger-workshop.azurewebsites.net</a:t>
-            </a:r>
-            <a:endParaRPr lang="en-US" dirty="0"/>
-          </a:p>
-          <a:p>
-            <a:pPr lvl="1"/>
-            <a:r>
-              <a:rPr lang="en-US" dirty="0">
-                <a:hlinkClick r:id="rId6"/>
-              </a:rPr>
-              <a:t>Sample requests</a:t>
-            </a:r>
-            <a:endParaRPr lang="de-AT" dirty="0"/>
-          </a:p>
-        </p:txBody>
-      </p:sp>
-      <p:sp>
-        <p:nvSpPr>
-          <p:cNvPr id="6" name="Text Placeholder 5">
-            <a:extLst>
-              <a:ext uri="{FF2B5EF4-FFF2-40B4-BE49-F238E27FC236}">
-                <a16:creationId xmlns:a16="http://schemas.microsoft.com/office/drawing/2014/main" id="{DAD2EAA3-264B-4536-A382-0310647BC181}"/>
-              </a:ext>
-            </a:extLst>
-          </p:cNvPr>
-          <p:cNvSpPr>
-            <a:spLocks noGrp="1"/>
-          </p:cNvSpPr>
-          <p:nvPr>
-            <p:ph type="body" sz="quarter" idx="23"/>
-          </p:nvPr>
-        </p:nvSpPr>
-        <p:spPr/>
-        <p:txBody>
-          <a:bodyPr/>
-          <a:lstStyle/>
-          <a:p>
-            <a:endParaRPr lang="en-US"/>
-          </a:p>
-        </p:txBody>
-      </p:sp>
-    </p:spTree>
-    <p:extLst>
-      <p:ext uri="{BB962C8B-B14F-4D97-AF65-F5344CB8AC3E}">
-        <p14:creationId xmlns:p14="http://schemas.microsoft.com/office/powerpoint/2010/main" val="2964134005"/>
-      </p:ext>
-    </p:extLst>
-  </p:cSld>
-  <p:clrMapOvr>
-    <a:masterClrMapping/>
-  </p:clrMapOvr>
-  <p:transition spd="slow">
-    <p:push/>
-  </p:transition>
-</p:sld>
-</file>
-
-<file path=ppt/slides/slide15.xml><?xml version="1.0" encoding="utf-8"?>
-<p:sld xmlns:a="http://schemas.openxmlformats.org/drawingml/2006/main" xmlns:r="http://schemas.openxmlformats.org/officeDocument/2006/relationships" xmlns:p="http://schemas.openxmlformats.org/presentationml/2006/main">
-  <p:cSld>
-    <p:spTree>
-      <p:nvGrpSpPr>
-        <p:cNvPr id="1" name=""/>
-        <p:cNvGrpSpPr/>
-        <p:nvPr/>
-      </p:nvGrpSpPr>
-      <p:grpSpPr>
-        <a:xfrm>
-          <a:off x="0" y="0"/>
-          <a:ext cx="0" cy="0"/>
-          <a:chOff x="0" y="0"/>
-          <a:chExt cx="0" cy="0"/>
-        </a:xfrm>
-      </p:grpSpPr>
-      <p:sp>
-        <p:nvSpPr>
-          <p:cNvPr id="4" name="Title 3">
-            <a:extLst>
-              <a:ext uri="{FF2B5EF4-FFF2-40B4-BE49-F238E27FC236}">
-                <a16:creationId xmlns:a16="http://schemas.microsoft.com/office/drawing/2014/main" id="{40948AC8-38CE-4D20-9906-9C3EAEE4AF69}"/>
-              </a:ext>
-            </a:extLst>
-          </p:cNvPr>
-          <p:cNvSpPr>
-            <a:spLocks noGrp="1"/>
-          </p:cNvSpPr>
-          <p:nvPr>
-            <p:ph type="title"/>
-          </p:nvPr>
-        </p:nvSpPr>
-        <p:spPr/>
-        <p:txBody>
-          <a:bodyPr/>
-          <a:lstStyle/>
-          <a:p>
-            <a:r>
-              <a:rPr lang="en-US" dirty="0"/>
-              <a:t>Endpoints and Operations</a:t>
-            </a:r>
-          </a:p>
-        </p:txBody>
-      </p:sp>
-      <p:sp>
-        <p:nvSpPr>
-          <p:cNvPr id="5" name="Content Placeholder 4">
-            <a:extLst>
-              <a:ext uri="{FF2B5EF4-FFF2-40B4-BE49-F238E27FC236}">
-                <a16:creationId xmlns:a16="http://schemas.microsoft.com/office/drawing/2014/main" id="{841E4D78-0962-4D1B-84A4-D93F90D98F33}"/>
-              </a:ext>
-            </a:extLst>
-          </p:cNvPr>
-          <p:cNvSpPr>
-            <a:spLocks noGrp="1"/>
-          </p:cNvSpPr>
-          <p:nvPr>
-            <p:ph sz="quarter" idx="12"/>
-          </p:nvPr>
-        </p:nvSpPr>
-        <p:spPr/>
-        <p:txBody>
-          <a:bodyPr/>
-          <a:lstStyle/>
-          <a:p>
-            <a:r>
-              <a:rPr lang="en-US" dirty="0"/>
-              <a:t>Event management</a:t>
-            </a:r>
-          </a:p>
-          <a:p>
-            <a:pPr lvl="1"/>
-            <a:r>
-              <a:rPr lang="en-US" dirty="0"/>
-              <a:t>Get a list of all events with optional parameter indicating whether to return past events</a:t>
-            </a:r>
-          </a:p>
-          <a:p>
-            <a:pPr lvl="1"/>
-            <a:r>
-              <a:rPr lang="en-US" dirty="0"/>
-              <a:t>Add an event</a:t>
-            </a:r>
-          </a:p>
-          <a:p>
-            <a:pPr lvl="1"/>
-            <a:r>
-              <a:rPr lang="en-US" dirty="0"/>
-              <a:t>Get data of a specific event</a:t>
-            </a:r>
-          </a:p>
-          <a:p>
-            <a:r>
-              <a:rPr lang="en-US" dirty="0"/>
-              <a:t>Registrations</a:t>
-            </a:r>
-          </a:p>
-          <a:p>
-            <a:pPr lvl="1"/>
-            <a:r>
-              <a:rPr lang="en-US" dirty="0"/>
-              <a:t>Let participants register for an event</a:t>
-            </a:r>
-          </a:p>
-          <a:p>
-            <a:pPr lvl="1"/>
-            <a:r>
-              <a:rPr lang="en-US" dirty="0"/>
-              <a:t>Get all registrations for an event</a:t>
-            </a:r>
-          </a:p>
-          <a:p>
-            <a:r>
-              <a:rPr lang="en-US" dirty="0"/>
-              <a:t>Check in</a:t>
-            </a:r>
-          </a:p>
-          <a:p>
-            <a:pPr lvl="1"/>
-            <a:r>
-              <a:rPr lang="en-US" dirty="0"/>
-              <a:t>Let a participant check in for an event</a:t>
-            </a:r>
-          </a:p>
-        </p:txBody>
-      </p:sp>
-      <p:sp>
-        <p:nvSpPr>
-          <p:cNvPr id="6" name="Text Placeholder 5">
-            <a:extLst>
-              <a:ext uri="{FF2B5EF4-FFF2-40B4-BE49-F238E27FC236}">
-                <a16:creationId xmlns:a16="http://schemas.microsoft.com/office/drawing/2014/main" id="{DAD2EAA3-264B-4536-A382-0310647BC181}"/>
-              </a:ext>
-            </a:extLst>
-          </p:cNvPr>
-          <p:cNvSpPr>
-            <a:spLocks noGrp="1"/>
-          </p:cNvSpPr>
-          <p:nvPr>
-            <p:ph type="body" sz="quarter" idx="23"/>
-          </p:nvPr>
-        </p:nvSpPr>
-        <p:spPr/>
-        <p:txBody>
-          <a:bodyPr/>
-          <a:lstStyle/>
-          <a:p>
-            <a:endParaRPr lang="en-US"/>
-          </a:p>
-        </p:txBody>
-      </p:sp>
-    </p:spTree>
-    <p:extLst>
-      <p:ext uri="{BB962C8B-B14F-4D97-AF65-F5344CB8AC3E}">
-        <p14:creationId xmlns:p14="http://schemas.microsoft.com/office/powerpoint/2010/main" val="1855563734"/>
-      </p:ext>
-    </p:extLst>
-  </p:cSld>
-  <p:clrMapOvr>
-    <a:masterClrMapping/>
-  </p:clrMapOvr>
-  <p:transition spd="slow">
-    <p:push/>
-  </p:transition>
-</p:sld>
-</file>
-
 <file path=ppt/slides/slide16.xml><?xml version="1.0" encoding="utf-8"?>
 <p:sld xmlns:a="http://schemas.openxmlformats.org/drawingml/2006/main" xmlns:r="http://schemas.openxmlformats.org/officeDocument/2006/relationships" xmlns:p="http://schemas.openxmlformats.org/presentationml/2006/main">
   <p:cSld>
@@ -31160,8 +31124,8 @@
           <a:lstStyle/>
           <a:p>
             <a:r>
-              <a:rPr lang="en-US" dirty="0"/>
-              <a:t>Data Types</a:t>
+              <a:rPr lang="en-US"/>
+              <a:t>Exercise</a:t>
             </a:r>
           </a:p>
         </p:txBody>
@@ -31189,59 +31153,116 @@
           <a:p>
             <a:r>
               <a:rPr lang="en-US" dirty="0"/>
-              <a:t>Event</a:t>
+              <a:t>Write an </a:t>
+            </a:r>
+            <a:r>
+              <a:rPr lang="en-US" dirty="0" err="1"/>
+              <a:t>OpenAPI</a:t>
+            </a:r>
+            <a:r>
+              <a:rPr lang="en-US" dirty="0"/>
+              <a:t> spec for the following RESTful Web API</a:t>
             </a:r>
           </a:p>
           <a:p>
             <a:pPr lvl="1"/>
             <a:r>
+              <a:rPr lang="en-US" dirty="0"/>
+              <a:t>Use a Swagger tool (e.g. Editor, Hub) or </a:t>
+            </a:r>
+            <a:r>
+              <a:rPr lang="en-US" dirty="0">
+                <a:hlinkClick r:id="rId2"/>
+              </a:rPr>
+              <a:t>Visual Studio Code</a:t>
+            </a:r>
+            <a:endParaRPr lang="en-US" dirty="0"/>
+          </a:p>
+          <a:p>
+            <a:pPr lvl="1"/>
+            <a:r>
+              <a:rPr lang="en-US" dirty="0"/>
+              <a:t>Verify your spec with </a:t>
+            </a:r>
+            <a:r>
               <a:rPr lang="en-US" i="1" dirty="0"/>
-              <a:t>ID</a:t>
+              <a:t>Swagger Editor </a:t>
             </a:r>
             <a:r>
               <a:rPr lang="en-US" dirty="0"/>
-              <a:t> (generated by server)</a:t>
+              <a:t>or </a:t>
+            </a:r>
+            <a:r>
+              <a:rPr lang="en-US" i="1" dirty="0"/>
+              <a:t>Hub</a:t>
+            </a:r>
+          </a:p>
+          <a:p>
+            <a:r>
+              <a:rPr lang="en-US" dirty="0"/>
+              <a:t>See API description on the following slides</a:t>
+            </a:r>
+          </a:p>
+          <a:p>
+            <a:r>
+              <a:rPr lang="en-US" dirty="0"/>
+              <a:t>Make proper assumptions for min, max, length, etc.</a:t>
+            </a:r>
+          </a:p>
+          <a:p>
+            <a:r>
+              <a:rPr lang="en-US" dirty="0"/>
+              <a:t>Sample Implementation</a:t>
             </a:r>
           </a:p>
           <a:p>
             <a:pPr lvl="1"/>
             <a:r>
-              <a:rPr lang="en-US" i="1" dirty="0"/>
-              <a:t>Event date</a:t>
-            </a:r>
+              <a:rPr lang="en-US" dirty="0">
+                <a:hlinkClick r:id="rId3"/>
+              </a:rPr>
+              <a:t>API Spec YAML</a:t>
+            </a:r>
+            <a:endParaRPr lang="en-US" dirty="0">
+              <a:hlinkClick r:id="rId4"/>
+            </a:endParaRPr>
           </a:p>
           <a:p>
             <a:pPr lvl="1"/>
             <a:r>
-              <a:rPr lang="en-US" i="1" dirty="0"/>
-              <a:t>Location</a:t>
+              <a:rPr lang="en-US" dirty="0">
+                <a:hlinkClick r:id="rId4"/>
+              </a:rPr>
+              <a:t>Source on GitHub</a:t>
+            </a:r>
+            <a:r>
+              <a:rPr lang="en-US" dirty="0"/>
+              <a:t> (API spec, implementation with Node.js)</a:t>
             </a:r>
           </a:p>
           <a:p>
             <a:pPr lvl="1"/>
             <a:r>
-              <a:rPr lang="en-US" i="1" dirty="0"/>
-              <a:t>Eventbrite ID</a:t>
-            </a:r>
-            <a:r>
               <a:rPr lang="en-US" dirty="0"/>
-              <a:t> (ID of event in the external system Eventbrite)</a:t>
-            </a:r>
+              <a:t>Deployment in Azure at </a:t>
+            </a:r>
+            <a:r>
+              <a:rPr lang="de-AT" dirty="0">
+                <a:hlinkClick r:id="rId5"/>
+              </a:rPr>
+              <a:t>https://swagger-workshop.azurewebsites.net</a:t>
+            </a:r>
+            <a:endParaRPr lang="en-US" dirty="0"/>
           </a:p>
           <a:p>
             <a:pPr lvl="1"/>
             <a:r>
-              <a:rPr lang="en-US" i="1" dirty="0"/>
-              <a:t>Quantity Sold</a:t>
-            </a:r>
-          </a:p>
-          <a:p>
-            <a:pPr lvl="1"/>
-            <a:r>
-              <a:rPr lang="en-US" i="1" dirty="0"/>
-              <a:t>Quantity Total</a:t>
-            </a:r>
-            <a:endParaRPr lang="en-US" dirty="0"/>
+              <a:rPr lang="en-US" dirty="0">
+                <a:hlinkClick r:id="rId6"/>
+              </a:rPr>
+              <a:t>Sample requests</a:t>
+            </a:r>
+            <a:endParaRPr lang="de-AT" dirty="0"/>
           </a:p>
         </p:txBody>
       </p:sp>
@@ -31273,7 +31294,7 @@
     </p:spTree>
     <p:extLst>
       <p:ext uri="{BB962C8B-B14F-4D97-AF65-F5344CB8AC3E}">
-        <p14:creationId xmlns:p14="http://schemas.microsoft.com/office/powerpoint/2010/main" val="3610919828"/>
+        <p14:creationId xmlns:p14="http://schemas.microsoft.com/office/powerpoint/2010/main" val="2964134005"/>
       </p:ext>
     </p:extLst>
   </p:cSld>
@@ -31326,7 +31347,7 @@
           <a:p>
             <a:r>
               <a:rPr lang="en-US" dirty="0"/>
-              <a:t>Data Types</a:t>
+              <a:t>Endpoints and Operations</a:t>
             </a:r>
           </a:p>
         </p:txBody>
@@ -31354,83 +31375,61 @@
           <a:p>
             <a:r>
               <a:rPr lang="en-US" dirty="0"/>
-              <a:t>Participant</a:t>
+              <a:t>Event management</a:t>
             </a:r>
           </a:p>
           <a:p>
             <a:pPr lvl="1"/>
             <a:r>
-              <a:rPr lang="en-US" i="1" dirty="0"/>
-              <a:t>ID</a:t>
-            </a:r>
-            <a:r>
               <a:rPr lang="en-US" dirty="0"/>
-              <a:t> (generated by server)</a:t>
+              <a:t>Get a list of all events with optional parameter indicating whether to return past events</a:t>
             </a:r>
           </a:p>
           <a:p>
             <a:pPr lvl="1"/>
             <a:r>
-              <a:rPr lang="en-US" i="1" dirty="0"/>
-              <a:t>Given Name</a:t>
+              <a:rPr lang="en-US" dirty="0"/>
+              <a:t>Add an event</a:t>
             </a:r>
           </a:p>
           <a:p>
             <a:pPr lvl="1"/>
             <a:r>
-              <a:rPr lang="en-US" i="1" dirty="0" err="1"/>
-              <a:t>Familiy</a:t>
-            </a:r>
-            <a:r>
-              <a:rPr lang="en-US" i="1" dirty="0"/>
-              <a:t> Name</a:t>
+              <a:rPr lang="en-US" dirty="0"/>
+              <a:t>Get data of a specific event</a:t>
+            </a:r>
+          </a:p>
+          <a:p>
+            <a:r>
+              <a:rPr lang="en-US" dirty="0"/>
+              <a:t>Registrations</a:t>
             </a:r>
           </a:p>
           <a:p>
             <a:pPr lvl="1"/>
             <a:r>
-              <a:rPr lang="en-US" i="1" dirty="0"/>
-              <a:t>Email</a:t>
+              <a:rPr lang="en-US" dirty="0"/>
+              <a:t>Let participants register for an event</a:t>
             </a:r>
           </a:p>
           <a:p>
             <a:pPr lvl="1"/>
             <a:r>
-              <a:rPr lang="en-US" i="1" dirty="0" err="1"/>
-              <a:t>GoogleSubject</a:t>
-            </a:r>
-            <a:r>
               <a:rPr lang="en-US" dirty="0"/>
-              <a:t> (ID of the associated Google account)</a:t>
+              <a:t>Get all registrations for an event</a:t>
+            </a:r>
+          </a:p>
+          <a:p>
+            <a:r>
+              <a:rPr lang="en-US" dirty="0"/>
+              <a:t>Check in</a:t>
             </a:r>
           </a:p>
           <a:p>
             <a:pPr lvl="1"/>
             <a:r>
-              <a:rPr lang="en-US" i="1" dirty="0"/>
-              <a:t>Eventbrite ID</a:t>
-            </a:r>
-            <a:r>
               <a:rPr lang="en-US" dirty="0"/>
-              <a:t> (ID of event in the external system Eventbrite)</a:t>
-            </a:r>
-          </a:p>
-          <a:p>
-            <a:pPr lvl="1"/>
-            <a:r>
-              <a:rPr lang="en-US" i="1" dirty="0"/>
-              <a:t>Year of Birth</a:t>
-            </a:r>
-          </a:p>
-          <a:p>
-            <a:pPr lvl="1"/>
-            <a:r>
-              <a:rPr lang="en-US" i="1" dirty="0"/>
-              <a:t>Gender</a:t>
-            </a:r>
-            <a:r>
-              <a:rPr lang="en-US" dirty="0"/>
-              <a:t> (male, female, unknown)</a:t>
+              <a:t>Let a participant check in for an event</a:t>
             </a:r>
           </a:p>
         </p:txBody>
@@ -31463,7 +31462,7 @@
     </p:spTree>
     <p:extLst>
       <p:ext uri="{BB962C8B-B14F-4D97-AF65-F5344CB8AC3E}">
-        <p14:creationId xmlns:p14="http://schemas.microsoft.com/office/powerpoint/2010/main" val="2634218113"/>
+        <p14:creationId xmlns:p14="http://schemas.microsoft.com/office/powerpoint/2010/main" val="1855563734"/>
       </p:ext>
     </p:extLst>
   </p:cSld>
@@ -31544,58 +31543,59 @@
           <a:p>
             <a:r>
               <a:rPr lang="en-US" dirty="0"/>
-              <a:t>Registration</a:t>
+              <a:t>Event</a:t>
             </a:r>
           </a:p>
           <a:p>
             <a:pPr lvl="1"/>
             <a:r>
               <a:rPr lang="en-US" i="1" dirty="0"/>
-              <a:t>Event</a:t>
+              <a:t>ID</a:t>
+            </a:r>
+            <a:r>
+              <a:rPr lang="en-US" dirty="0"/>
+              <a:t> (generated by server)</a:t>
+            </a:r>
+          </a:p>
+          <a:p>
+            <a:pPr lvl="1"/>
+            <a:r>
+              <a:rPr lang="en-US" i="1" dirty="0"/>
+              <a:t>Event date</a:t>
+            </a:r>
+          </a:p>
+          <a:p>
+            <a:pPr lvl="1"/>
+            <a:r>
+              <a:rPr lang="en-US" i="1" dirty="0"/>
+              <a:t>Location</a:t>
+            </a:r>
+          </a:p>
+          <a:p>
+            <a:pPr lvl="1"/>
+            <a:r>
+              <a:rPr lang="en-US" i="1" dirty="0"/>
+              <a:t>Eventbrite ID</a:t>
+            </a:r>
+            <a:r>
+              <a:rPr lang="en-US" dirty="0"/>
+              <a:t> (ID of event in the external system Eventbrite)</a:t>
+            </a:r>
+          </a:p>
+          <a:p>
+            <a:pPr lvl="1"/>
+            <a:r>
+              <a:rPr lang="en-US" i="1" dirty="0"/>
+              <a:t>Quantity Sold</a:t>
+            </a:r>
+          </a:p>
+          <a:p>
+            <a:pPr lvl="1"/>
+            <a:r>
+              <a:rPr lang="en-US" i="1" dirty="0"/>
+              <a:t>Quantity Total</a:t>
             </a:r>
             <a:endParaRPr lang="en-US" dirty="0"/>
-          </a:p>
-          <a:p>
-            <a:pPr lvl="1"/>
-            <a:r>
-              <a:rPr lang="en-US" i="1" dirty="0"/>
-              <a:t>Participant</a:t>
-            </a:r>
-          </a:p>
-          <a:p>
-            <a:pPr lvl="1"/>
-            <a:r>
-              <a:rPr lang="en-US" i="1" dirty="0"/>
-              <a:t>Needs computer</a:t>
-            </a:r>
-            <a:r>
-              <a:rPr lang="en-US" dirty="0"/>
-              <a:t> (indicating whether the participant needs a rental computer)</a:t>
-            </a:r>
-          </a:p>
-          <a:p>
-            <a:pPr lvl="1"/>
-            <a:r>
-              <a:rPr lang="en-US" i="1" dirty="0"/>
-              <a:t>Check in</a:t>
-            </a:r>
-            <a:r>
-              <a:rPr lang="en-US" dirty="0"/>
-              <a:t> (indicating whether the participant is already checked in)</a:t>
-            </a:r>
-          </a:p>
-          <a:p>
-            <a:r>
-              <a:rPr lang="en-US" dirty="0"/>
-              <a:t>Error</a:t>
-            </a:r>
-          </a:p>
-          <a:p>
-            <a:pPr lvl="1"/>
-            <a:r>
-              <a:rPr lang="en-US" i="1" dirty="0"/>
-              <a:t>Error Message</a:t>
-            </a:r>
           </a:p>
         </p:txBody>
       </p:sp>
@@ -31627,7 +31627,7 @@
     </p:spTree>
     <p:extLst>
       <p:ext uri="{BB962C8B-B14F-4D97-AF65-F5344CB8AC3E}">
-        <p14:creationId xmlns:p14="http://schemas.microsoft.com/office/powerpoint/2010/main" val="580681741"/>
+        <p14:creationId xmlns:p14="http://schemas.microsoft.com/office/powerpoint/2010/main" val="3610919828"/>
       </p:ext>
     </p:extLst>
   </p:cSld>
@@ -31659,10 +31659,10 @@
       </p:grpSpPr>
       <p:sp>
         <p:nvSpPr>
-          <p:cNvPr id="2" name="Title 1">
+          <p:cNvPr id="4" name="Title 3">
             <a:extLst>
               <a:ext uri="{FF2B5EF4-FFF2-40B4-BE49-F238E27FC236}">
-                <a16:creationId xmlns:a16="http://schemas.microsoft.com/office/drawing/2014/main" id="{7DE033FE-E8A8-4393-A30B-5E88ABB7F3E2}"/>
+                <a16:creationId xmlns:a16="http://schemas.microsoft.com/office/drawing/2014/main" id="{40948AC8-38CE-4D20-9906-9C3EAEE4AF69}"/>
               </a:ext>
             </a:extLst>
           </p:cNvPr>
@@ -31679,18 +31679,18 @@
           <a:lstStyle/>
           <a:p>
             <a:r>
-              <a:rPr lang="de-AT" dirty="0"/>
-              <a:t>Solutions</a:t>
+              <a:rPr lang="en-US" dirty="0"/>
+              <a:t>Data Types</a:t>
             </a:r>
           </a:p>
         </p:txBody>
       </p:sp>
       <p:sp>
         <p:nvSpPr>
-          <p:cNvPr id="3" name="Content Placeholder 2">
+          <p:cNvPr id="5" name="Content Placeholder 4">
             <a:extLst>
               <a:ext uri="{FF2B5EF4-FFF2-40B4-BE49-F238E27FC236}">
-                <a16:creationId xmlns:a16="http://schemas.microsoft.com/office/drawing/2014/main" id="{72FFBB5C-5E13-4CC9-BB0B-E833D0125FCD}"/>
+                <a16:creationId xmlns:a16="http://schemas.microsoft.com/office/drawing/2014/main" id="{841E4D78-0962-4D1B-84A4-D93F90D98F33}"/>
               </a:ext>
             </a:extLst>
           </p:cNvPr>
@@ -31707,100 +31707,94 @@
           <a:lstStyle/>
           <a:p>
             <a:r>
-              <a:rPr lang="de-AT" dirty="0" err="1"/>
-              <a:t>OpenAPI</a:t>
-            </a:r>
-            <a:r>
-              <a:rPr lang="de-AT" dirty="0"/>
-              <a:t> </a:t>
-            </a:r>
-            <a:r>
-              <a:rPr lang="de-AT" dirty="0" err="1"/>
-              <a:t>Spec</a:t>
-            </a:r>
-            <a:r>
-              <a:rPr lang="de-AT" dirty="0"/>
-              <a:t> (V3)</a:t>
+              <a:rPr lang="en-US" dirty="0"/>
+              <a:t>Participant</a:t>
             </a:r>
           </a:p>
           <a:p>
             <a:pPr lvl="1"/>
             <a:r>
-              <a:rPr lang="de-AT" dirty="0">
-                <a:hlinkClick r:id="rId2"/>
-              </a:rPr>
-              <a:t>GitHub</a:t>
-            </a:r>
-            <a:r>
-              <a:rPr lang="de-AT" dirty="0"/>
-              <a:t> (YAML)</a:t>
+              <a:rPr lang="en-US" i="1" dirty="0"/>
+              <a:t>ID</a:t>
+            </a:r>
+            <a:r>
+              <a:rPr lang="en-US" dirty="0"/>
+              <a:t> (generated by server)</a:t>
             </a:r>
           </a:p>
           <a:p>
             <a:pPr lvl="1"/>
             <a:r>
-              <a:rPr lang="de-AT" dirty="0">
-                <a:hlinkClick r:id="rId3"/>
-              </a:rPr>
-              <a:t>Raw</a:t>
-            </a:r>
-            <a:r>
-              <a:rPr lang="de-AT" dirty="0"/>
-              <a:t> (JSON)</a:t>
-            </a:r>
-          </a:p>
-          <a:p>
-            <a:r>
-              <a:rPr lang="de-AT" dirty="0" err="1"/>
-              <a:t>Swagger</a:t>
-            </a:r>
-            <a:r>
-              <a:rPr lang="de-AT" dirty="0"/>
-              <a:t> </a:t>
-            </a:r>
-            <a:r>
-              <a:rPr lang="de-AT" dirty="0" err="1"/>
-              <a:t>Spec</a:t>
-            </a:r>
-            <a:r>
-              <a:rPr lang="de-AT" dirty="0"/>
-              <a:t> (V2)</a:t>
+              <a:rPr lang="en-US" i="1" dirty="0"/>
+              <a:t>Given Name</a:t>
             </a:r>
           </a:p>
           <a:p>
             <a:pPr lvl="1"/>
             <a:r>
-              <a:rPr lang="de-AT" dirty="0">
-                <a:hlinkClick r:id="rId4"/>
-              </a:rPr>
-              <a:t>GitHub</a:t>
-            </a:r>
-            <a:r>
-              <a:rPr lang="de-AT" dirty="0"/>
-              <a:t> (YAML)</a:t>
+              <a:rPr lang="en-US" i="1" dirty="0" err="1"/>
+              <a:t>Familiy</a:t>
+            </a:r>
+            <a:r>
+              <a:rPr lang="en-US" i="1" dirty="0"/>
+              <a:t> Name</a:t>
             </a:r>
           </a:p>
           <a:p>
             <a:pPr lvl="1"/>
             <a:r>
-              <a:rPr lang="de-AT" dirty="0">
-                <a:hlinkClick r:id="rId5"/>
-              </a:rPr>
-              <a:t>Raw</a:t>
-            </a:r>
-            <a:r>
-              <a:rPr lang="de-AT" dirty="0"/>
-              <a:t> (JSON)</a:t>
+              <a:rPr lang="en-US" i="1" dirty="0"/>
+              <a:t>Email</a:t>
+            </a:r>
+          </a:p>
+          <a:p>
+            <a:pPr lvl="1"/>
+            <a:r>
+              <a:rPr lang="en-US" i="1" dirty="0" err="1"/>
+              <a:t>GoogleSubject</a:t>
+            </a:r>
+            <a:r>
+              <a:rPr lang="en-US" dirty="0"/>
+              <a:t> (ID of the associated Google account)</a:t>
+            </a:r>
+          </a:p>
+          <a:p>
+            <a:pPr lvl="1"/>
+            <a:r>
+              <a:rPr lang="en-US" i="1" dirty="0"/>
+              <a:t>Eventbrite ID</a:t>
+            </a:r>
+            <a:r>
+              <a:rPr lang="en-US" dirty="0"/>
+              <a:t> (ID of event in the external system Eventbrite)</a:t>
+            </a:r>
+          </a:p>
+          <a:p>
+            <a:pPr lvl="1"/>
+            <a:r>
+              <a:rPr lang="en-US" i="1" dirty="0"/>
+              <a:t>Year of Birth</a:t>
+            </a:r>
+          </a:p>
+          <a:p>
+            <a:pPr lvl="1"/>
+            <a:r>
+              <a:rPr lang="en-US" i="1" dirty="0"/>
+              <a:t>Gender</a:t>
+            </a:r>
+            <a:r>
+              <a:rPr lang="en-US" dirty="0"/>
+              <a:t> (male, female, unknown)</a:t>
             </a:r>
           </a:p>
         </p:txBody>
       </p:sp>
       <p:sp>
         <p:nvSpPr>
-          <p:cNvPr id="4" name="Text Placeholder 3">
+          <p:cNvPr id="6" name="Text Placeholder 5">
             <a:extLst>
               <a:ext uri="{FF2B5EF4-FFF2-40B4-BE49-F238E27FC236}">
-                <a16:creationId xmlns:a16="http://schemas.microsoft.com/office/drawing/2014/main" id="{483E5237-0CCF-401F-AD13-7BBF5CB4B29F}"/>
+                <a16:creationId xmlns:a16="http://schemas.microsoft.com/office/drawing/2014/main" id="{DAD2EAA3-264B-4536-A382-0310647BC181}"/>
               </a:ext>
             </a:extLst>
           </p:cNvPr>
@@ -31816,14 +31810,14 @@
           <a:bodyPr/>
           <a:lstStyle/>
           <a:p>
-            <a:endParaRPr lang="de-AT"/>
+            <a:endParaRPr lang="en-US"/>
           </a:p>
         </p:txBody>
       </p:sp>
     </p:spTree>
     <p:extLst>
       <p:ext uri="{BB962C8B-B14F-4D97-AF65-F5344CB8AC3E}">
-        <p14:creationId xmlns:p14="http://schemas.microsoft.com/office/powerpoint/2010/main" val="1410033673"/>
+        <p14:creationId xmlns:p14="http://schemas.microsoft.com/office/powerpoint/2010/main" val="2634218113"/>
       </p:ext>
     </p:extLst>
   </p:cSld>
@@ -32067,6 +32061,366 @@
       </p:grpSpPr>
       <p:sp>
         <p:nvSpPr>
+          <p:cNvPr id="4" name="Title 3">
+            <a:extLst>
+              <a:ext uri="{FF2B5EF4-FFF2-40B4-BE49-F238E27FC236}">
+                <a16:creationId xmlns:a16="http://schemas.microsoft.com/office/drawing/2014/main" id="{40948AC8-38CE-4D20-9906-9C3EAEE4AF69}"/>
+              </a:ext>
+            </a:extLst>
+          </p:cNvPr>
+          <p:cNvSpPr>
+            <a:spLocks noGrp="1"/>
+          </p:cNvSpPr>
+          <p:nvPr>
+            <p:ph type="title"/>
+          </p:nvPr>
+        </p:nvSpPr>
+        <p:spPr/>
+        <p:txBody>
+          <a:bodyPr/>
+          <a:lstStyle/>
+          <a:p>
+            <a:r>
+              <a:rPr lang="en-US" dirty="0"/>
+              <a:t>Data Types</a:t>
+            </a:r>
+          </a:p>
+        </p:txBody>
+      </p:sp>
+      <p:sp>
+        <p:nvSpPr>
+          <p:cNvPr id="5" name="Content Placeholder 4">
+            <a:extLst>
+              <a:ext uri="{FF2B5EF4-FFF2-40B4-BE49-F238E27FC236}">
+                <a16:creationId xmlns:a16="http://schemas.microsoft.com/office/drawing/2014/main" id="{841E4D78-0962-4D1B-84A4-D93F90D98F33}"/>
+              </a:ext>
+            </a:extLst>
+          </p:cNvPr>
+          <p:cNvSpPr>
+            <a:spLocks noGrp="1"/>
+          </p:cNvSpPr>
+          <p:nvPr>
+            <p:ph sz="quarter" idx="12"/>
+          </p:nvPr>
+        </p:nvSpPr>
+        <p:spPr/>
+        <p:txBody>
+          <a:bodyPr/>
+          <a:lstStyle/>
+          <a:p>
+            <a:r>
+              <a:rPr lang="en-US" dirty="0"/>
+              <a:t>Registration</a:t>
+            </a:r>
+          </a:p>
+          <a:p>
+            <a:pPr lvl="1"/>
+            <a:r>
+              <a:rPr lang="en-US" i="1" dirty="0"/>
+              <a:t>Event</a:t>
+            </a:r>
+            <a:endParaRPr lang="en-US" dirty="0"/>
+          </a:p>
+          <a:p>
+            <a:pPr lvl="1"/>
+            <a:r>
+              <a:rPr lang="en-US" i="1" dirty="0"/>
+              <a:t>Participant</a:t>
+            </a:r>
+          </a:p>
+          <a:p>
+            <a:pPr lvl="1"/>
+            <a:r>
+              <a:rPr lang="en-US" i="1" dirty="0"/>
+              <a:t>Needs computer</a:t>
+            </a:r>
+            <a:r>
+              <a:rPr lang="en-US" dirty="0"/>
+              <a:t> (indicating whether the participant needs a rental computer)</a:t>
+            </a:r>
+          </a:p>
+          <a:p>
+            <a:pPr lvl="1"/>
+            <a:r>
+              <a:rPr lang="en-US" i="1" dirty="0"/>
+              <a:t>Check in</a:t>
+            </a:r>
+            <a:r>
+              <a:rPr lang="en-US" dirty="0"/>
+              <a:t> (indicating whether the participant is already checked in)</a:t>
+            </a:r>
+          </a:p>
+          <a:p>
+            <a:r>
+              <a:rPr lang="en-US" dirty="0"/>
+              <a:t>Error</a:t>
+            </a:r>
+          </a:p>
+          <a:p>
+            <a:pPr lvl="1"/>
+            <a:r>
+              <a:rPr lang="en-US" i="1" dirty="0"/>
+              <a:t>Error Message</a:t>
+            </a:r>
+          </a:p>
+        </p:txBody>
+      </p:sp>
+      <p:sp>
+        <p:nvSpPr>
+          <p:cNvPr id="6" name="Text Placeholder 5">
+            <a:extLst>
+              <a:ext uri="{FF2B5EF4-FFF2-40B4-BE49-F238E27FC236}">
+                <a16:creationId xmlns:a16="http://schemas.microsoft.com/office/drawing/2014/main" id="{DAD2EAA3-264B-4536-A382-0310647BC181}"/>
+              </a:ext>
+            </a:extLst>
+          </p:cNvPr>
+          <p:cNvSpPr>
+            <a:spLocks noGrp="1"/>
+          </p:cNvSpPr>
+          <p:nvPr>
+            <p:ph type="body" sz="quarter" idx="23"/>
+          </p:nvPr>
+        </p:nvSpPr>
+        <p:spPr/>
+        <p:txBody>
+          <a:bodyPr/>
+          <a:lstStyle/>
+          <a:p>
+            <a:endParaRPr lang="en-US"/>
+          </a:p>
+        </p:txBody>
+      </p:sp>
+    </p:spTree>
+    <p:extLst>
+      <p:ext uri="{BB962C8B-B14F-4D97-AF65-F5344CB8AC3E}">
+        <p14:creationId xmlns:p14="http://schemas.microsoft.com/office/powerpoint/2010/main" val="580681741"/>
+      </p:ext>
+    </p:extLst>
+  </p:cSld>
+  <p:clrMapOvr>
+    <a:masterClrMapping/>
+  </p:clrMapOvr>
+  <p:transition spd="slow">
+    <p:push/>
+  </p:transition>
+</p:sld>
+</file>
+
+<file path=ppt/slides/slide21.xml><?xml version="1.0" encoding="utf-8"?>
+<p:sld xmlns:a="http://schemas.openxmlformats.org/drawingml/2006/main" xmlns:r="http://schemas.openxmlformats.org/officeDocument/2006/relationships" xmlns:p="http://schemas.openxmlformats.org/presentationml/2006/main">
+  <p:cSld>
+    <p:spTree>
+      <p:nvGrpSpPr>
+        <p:cNvPr id="1" name=""/>
+        <p:cNvGrpSpPr/>
+        <p:nvPr/>
+      </p:nvGrpSpPr>
+      <p:grpSpPr>
+        <a:xfrm>
+          <a:off x="0" y="0"/>
+          <a:ext cx="0" cy="0"/>
+          <a:chOff x="0" y="0"/>
+          <a:chExt cx="0" cy="0"/>
+        </a:xfrm>
+      </p:grpSpPr>
+      <p:sp>
+        <p:nvSpPr>
+          <p:cNvPr id="2" name="Title 1">
+            <a:extLst>
+              <a:ext uri="{FF2B5EF4-FFF2-40B4-BE49-F238E27FC236}">
+                <a16:creationId xmlns:a16="http://schemas.microsoft.com/office/drawing/2014/main" id="{7DE033FE-E8A8-4393-A30B-5E88ABB7F3E2}"/>
+              </a:ext>
+            </a:extLst>
+          </p:cNvPr>
+          <p:cNvSpPr>
+            <a:spLocks noGrp="1"/>
+          </p:cNvSpPr>
+          <p:nvPr>
+            <p:ph type="title"/>
+          </p:nvPr>
+        </p:nvSpPr>
+        <p:spPr/>
+        <p:txBody>
+          <a:bodyPr/>
+          <a:lstStyle/>
+          <a:p>
+            <a:r>
+              <a:rPr lang="de-AT" dirty="0"/>
+              <a:t>Solutions</a:t>
+            </a:r>
+          </a:p>
+        </p:txBody>
+      </p:sp>
+      <p:sp>
+        <p:nvSpPr>
+          <p:cNvPr id="3" name="Content Placeholder 2">
+            <a:extLst>
+              <a:ext uri="{FF2B5EF4-FFF2-40B4-BE49-F238E27FC236}">
+                <a16:creationId xmlns:a16="http://schemas.microsoft.com/office/drawing/2014/main" id="{72FFBB5C-5E13-4CC9-BB0B-E833D0125FCD}"/>
+              </a:ext>
+            </a:extLst>
+          </p:cNvPr>
+          <p:cNvSpPr>
+            <a:spLocks noGrp="1"/>
+          </p:cNvSpPr>
+          <p:nvPr>
+            <p:ph sz="quarter" idx="12"/>
+          </p:nvPr>
+        </p:nvSpPr>
+        <p:spPr/>
+        <p:txBody>
+          <a:bodyPr/>
+          <a:lstStyle/>
+          <a:p>
+            <a:r>
+              <a:rPr lang="de-AT" dirty="0" err="1"/>
+              <a:t>OpenAPI</a:t>
+            </a:r>
+            <a:r>
+              <a:rPr lang="de-AT" dirty="0"/>
+              <a:t> </a:t>
+            </a:r>
+            <a:r>
+              <a:rPr lang="de-AT" dirty="0" err="1"/>
+              <a:t>Spec</a:t>
+            </a:r>
+            <a:r>
+              <a:rPr lang="de-AT" dirty="0"/>
+              <a:t> (V3)</a:t>
+            </a:r>
+          </a:p>
+          <a:p>
+            <a:pPr lvl="1"/>
+            <a:r>
+              <a:rPr lang="de-AT" dirty="0">
+                <a:hlinkClick r:id="rId2"/>
+              </a:rPr>
+              <a:t>GitHub</a:t>
+            </a:r>
+            <a:r>
+              <a:rPr lang="de-AT" dirty="0"/>
+              <a:t> (YAML)</a:t>
+            </a:r>
+          </a:p>
+          <a:p>
+            <a:pPr lvl="1"/>
+            <a:r>
+              <a:rPr lang="de-AT" dirty="0">
+                <a:hlinkClick r:id="rId3"/>
+              </a:rPr>
+              <a:t>Raw</a:t>
+            </a:r>
+            <a:r>
+              <a:rPr lang="de-AT" dirty="0"/>
+              <a:t> (JSON)</a:t>
+            </a:r>
+          </a:p>
+          <a:p>
+            <a:r>
+              <a:rPr lang="de-AT" dirty="0" err="1"/>
+              <a:t>Swagger</a:t>
+            </a:r>
+            <a:r>
+              <a:rPr lang="de-AT" dirty="0"/>
+              <a:t> </a:t>
+            </a:r>
+            <a:r>
+              <a:rPr lang="de-AT" dirty="0" err="1"/>
+              <a:t>Spec</a:t>
+            </a:r>
+            <a:r>
+              <a:rPr lang="de-AT" dirty="0"/>
+              <a:t> (V2)</a:t>
+            </a:r>
+          </a:p>
+          <a:p>
+            <a:pPr lvl="1"/>
+            <a:r>
+              <a:rPr lang="de-AT" dirty="0">
+                <a:hlinkClick r:id="rId4"/>
+              </a:rPr>
+              <a:t>GitHub</a:t>
+            </a:r>
+            <a:r>
+              <a:rPr lang="de-AT" dirty="0"/>
+              <a:t> (YAML)</a:t>
+            </a:r>
+          </a:p>
+          <a:p>
+            <a:pPr lvl="1"/>
+            <a:r>
+              <a:rPr lang="de-AT" dirty="0">
+                <a:hlinkClick r:id="rId5"/>
+              </a:rPr>
+              <a:t>Raw</a:t>
+            </a:r>
+            <a:r>
+              <a:rPr lang="de-AT" dirty="0"/>
+              <a:t> (JSON)</a:t>
+            </a:r>
+          </a:p>
+        </p:txBody>
+      </p:sp>
+      <p:sp>
+        <p:nvSpPr>
+          <p:cNvPr id="4" name="Text Placeholder 3">
+            <a:extLst>
+              <a:ext uri="{FF2B5EF4-FFF2-40B4-BE49-F238E27FC236}">
+                <a16:creationId xmlns:a16="http://schemas.microsoft.com/office/drawing/2014/main" id="{483E5237-0CCF-401F-AD13-7BBF5CB4B29F}"/>
+              </a:ext>
+            </a:extLst>
+          </p:cNvPr>
+          <p:cNvSpPr>
+            <a:spLocks noGrp="1"/>
+          </p:cNvSpPr>
+          <p:nvPr>
+            <p:ph type="body" sz="quarter" idx="23"/>
+          </p:nvPr>
+        </p:nvSpPr>
+        <p:spPr/>
+        <p:txBody>
+          <a:bodyPr/>
+          <a:lstStyle/>
+          <a:p>
+            <a:endParaRPr lang="de-AT"/>
+          </a:p>
+        </p:txBody>
+      </p:sp>
+    </p:spTree>
+    <p:extLst>
+      <p:ext uri="{BB962C8B-B14F-4D97-AF65-F5344CB8AC3E}">
+        <p14:creationId xmlns:p14="http://schemas.microsoft.com/office/powerpoint/2010/main" val="1410033673"/>
+      </p:ext>
+    </p:extLst>
+  </p:cSld>
+  <p:clrMapOvr>
+    <a:masterClrMapping/>
+  </p:clrMapOvr>
+  <p:transition spd="slow">
+    <p:push/>
+  </p:transition>
+</p:sld>
+</file>
+
+<file path=ppt/slides/slide22.xml><?xml version="1.0" encoding="utf-8"?>
+<p:sld xmlns:a="http://schemas.openxmlformats.org/drawingml/2006/main" xmlns:r="http://schemas.openxmlformats.org/officeDocument/2006/relationships" xmlns:p="http://schemas.openxmlformats.org/presentationml/2006/main">
+  <p:cSld>
+    <p:spTree>
+      <p:nvGrpSpPr>
+        <p:cNvPr id="1" name=""/>
+        <p:cNvGrpSpPr/>
+        <p:nvPr/>
+      </p:nvGrpSpPr>
+      <p:grpSpPr>
+        <a:xfrm>
+          <a:off x="0" y="0"/>
+          <a:ext cx="0" cy="0"/>
+          <a:chOff x="0" y="0"/>
+          <a:chExt cx="0" cy="0"/>
+        </a:xfrm>
+      </p:grpSpPr>
+      <p:sp>
+        <p:nvSpPr>
           <p:cNvPr id="7" name="Title 6">
             <a:extLst>
               <a:ext uri="{FF2B5EF4-FFF2-40B4-BE49-F238E27FC236}">
@@ -32159,7 +32513,7 @@
 </p:sld>
 </file>
 
-<file path=ppt/slides/slide21.xml><?xml version="1.0" encoding="utf-8"?>
+<file path=ppt/slides/slide23.xml><?xml version="1.0" encoding="utf-8"?>
 <p:sld xmlns:a="http://schemas.openxmlformats.org/drawingml/2006/main" xmlns:r="http://schemas.openxmlformats.org/officeDocument/2006/relationships" xmlns:p="http://schemas.openxmlformats.org/presentationml/2006/main">
   <p:cSld>
     <p:spTree>
@@ -32343,7 +32697,7 @@
 </p:sld>
 </file>
 
-<file path=ppt/slides/slide22.xml><?xml version="1.0" encoding="utf-8"?>
+<file path=ppt/slides/slide24.xml><?xml version="1.0" encoding="utf-8"?>
 <p:sld xmlns:a="http://schemas.openxmlformats.org/drawingml/2006/main" xmlns:r="http://schemas.openxmlformats.org/officeDocument/2006/relationships" xmlns:p="http://schemas.openxmlformats.org/presentationml/2006/main">
   <p:cSld>
     <p:spTree>
@@ -32494,8 +32848,13 @@
             </a:r>
             <a:r>
               <a:rPr lang="de-AT" dirty="0"/>
-              <a:t> Generator</a:t>
-            </a:r>
+              <a:t> </a:t>
+            </a:r>
+            <a:r>
+              <a:rPr lang="de-AT" dirty="0" err="1"/>
+              <a:t>Codegen</a:t>
+            </a:r>
+            <a:endParaRPr lang="de-AT" dirty="0"/>
           </a:p>
           <a:p>
             <a:pPr lvl="1"/>
@@ -32580,7 +32939,7 @@
 </p:sld>
 </file>
 
-<file path=ppt/slides/slide23.xml><?xml version="1.0" encoding="utf-8"?>
+<file path=ppt/slides/slide25.xml><?xml version="1.0" encoding="utf-8"?>
 <p:sld xmlns:a="http://schemas.openxmlformats.org/drawingml/2006/main" xmlns:r="http://schemas.openxmlformats.org/officeDocument/2006/relationships" xmlns:p="http://schemas.openxmlformats.org/presentationml/2006/main" show="0">
   <p:cSld>
     <p:spTree>
@@ -32753,7 +33112,7 @@
             </a:r>
             <a:r>
               <a:rPr lang="de-AT" dirty="0"/>
-              <a:t> -d -p 8081:8080 -e API_URL=https://swaggerworkshop.blob.core.windows.net/swagger/api3.json </a:t>
+              <a:t> -d -p 8081:8080 -e API_URL=https://raw.githack.com/rstropek/node-mongo-sample/master/api3.json </a:t>
             </a:r>
             <a:r>
               <a:rPr lang="de-AT" dirty="0" err="1"/>
@@ -32783,8 +33142,13 @@
             </a:r>
             <a:r>
               <a:rPr lang="de-AT" dirty="0"/>
-              <a:t> Code Generator</a:t>
-            </a:r>
+              <a:t> </a:t>
+            </a:r>
+            <a:r>
+              <a:rPr lang="de-AT" dirty="0" err="1"/>
+              <a:t>CodeGen</a:t>
+            </a:r>
+            <a:endParaRPr lang="de-AT" dirty="0"/>
           </a:p>
           <a:p>
             <a:r>
@@ -32801,7 +33165,15 @@
             </a:r>
             <a:r>
               <a:rPr lang="de-AT" dirty="0"/>
-              <a:t> -d -e GENERATOR_HOST=http://localhost:8082 -p 8082:8080 </a:t>
+              <a:t> --</a:t>
+            </a:r>
+            <a:r>
+              <a:rPr lang="de-AT" dirty="0" err="1"/>
+              <a:t>rm</a:t>
+            </a:r>
+            <a:r>
+              <a:rPr lang="de-AT" dirty="0"/>
+              <a:t> </a:t>
             </a:r>
             <a:r>
               <a:rPr lang="de-AT" dirty="0" err="1"/>
@@ -32809,16 +33181,111 @@
             </a:r>
             <a:r>
               <a:rPr lang="de-AT" dirty="0"/>
-              <a:t>/</a:t>
+              <a:t>/swagger-codegen-cli-v3:3.0.8 </a:t>
             </a:r>
             <a:r>
               <a:rPr lang="de-AT" dirty="0" err="1"/>
-              <a:t>swagger</a:t>
+              <a:t>langs</a:t>
+            </a:r>
+            <a:endParaRPr lang="de-AT" dirty="0"/>
+          </a:p>
+          <a:p>
+            <a:r>
+              <a:rPr lang="de-AT" dirty="0" err="1"/>
+              <a:t>docker</a:t>
             </a:r>
             <a:r>
               <a:rPr lang="de-AT" dirty="0"/>
-              <a:t>-generator</a:t>
-            </a:r>
+              <a:t> </a:t>
+            </a:r>
+            <a:r>
+              <a:rPr lang="de-AT" dirty="0" err="1"/>
+              <a:t>run</a:t>
+            </a:r>
+            <a:r>
+              <a:rPr lang="de-AT" dirty="0"/>
+              <a:t> --</a:t>
+            </a:r>
+            <a:r>
+              <a:rPr lang="de-AT" dirty="0" err="1"/>
+              <a:t>rm</a:t>
+            </a:r>
+            <a:r>
+              <a:rPr lang="de-AT" dirty="0"/>
+              <a:t> --mount type=</a:t>
+            </a:r>
+            <a:r>
+              <a:rPr lang="de-AT" dirty="0" err="1"/>
+              <a:t>bind,src</a:t>
+            </a:r>
+            <a:r>
+              <a:rPr lang="de-AT" dirty="0"/>
+              <a:t>=c:\</a:t>
+            </a:r>
+            <a:r>
+              <a:rPr lang="de-AT" dirty="0" err="1"/>
+              <a:t>temp</a:t>
+            </a:r>
+            <a:r>
+              <a:rPr lang="de-AT" dirty="0"/>
+              <a:t>\</a:t>
+            </a:r>
+            <a:r>
+              <a:rPr lang="de-AT" dirty="0" err="1"/>
+              <a:t>swagger-reh,dst</a:t>
+            </a:r>
+            <a:r>
+              <a:rPr lang="de-AT" dirty="0"/>
+              <a:t>=/</a:t>
+            </a:r>
+            <a:r>
+              <a:rPr lang="de-AT" dirty="0" err="1"/>
+              <a:t>local</a:t>
+            </a:r>
+            <a:r>
+              <a:rPr lang="de-AT" dirty="0"/>
+              <a:t>/out </a:t>
+            </a:r>
+            <a:r>
+              <a:rPr lang="de-AT" dirty="0" err="1"/>
+              <a:t>swaggerapi</a:t>
+            </a:r>
+            <a:r>
+              <a:rPr lang="de-AT" dirty="0"/>
+              <a:t>/swagger-codegen-cli-v3:3.0.8 </a:t>
+            </a:r>
+            <a:r>
+              <a:rPr lang="de-AT" dirty="0" err="1"/>
+              <a:t>generate</a:t>
+            </a:r>
+            <a:r>
+              <a:rPr lang="de-AT" dirty="0"/>
+              <a:t> -l </a:t>
+            </a:r>
+            <a:r>
+              <a:rPr lang="de-AT" dirty="0" err="1"/>
+              <a:t>typescript</a:t>
+            </a:r>
+            <a:r>
+              <a:rPr lang="de-AT" dirty="0"/>
+              <a:t>-angular -i https://raw.githack.com/rstropek/node-mongo-sample/master/api3.json -o /</a:t>
+            </a:r>
+            <a:r>
+              <a:rPr lang="de-AT" dirty="0" err="1"/>
+              <a:t>local</a:t>
+            </a:r>
+            <a:r>
+              <a:rPr lang="de-AT" dirty="0"/>
+              <a:t>/out/</a:t>
+            </a:r>
+            <a:r>
+              <a:rPr lang="de-AT" dirty="0" err="1"/>
+              <a:t>ts</a:t>
+            </a:r>
+            <a:endParaRPr lang="de-AT" dirty="0"/>
+          </a:p>
+          <a:p>
+            <a:endParaRPr lang="de-AT" dirty="0"/>
           </a:p>
           <a:p>
             <a:endParaRPr lang="de-AT" dirty="0"/>
@@ -32916,7 +33383,7 @@
 </p:sld>
 </file>
 
-<file path=ppt/slides/slide24.xml><?xml version="1.0" encoding="utf-8"?>
+<file path=ppt/slides/slide26.xml><?xml version="1.0" encoding="utf-8"?>
 <p:sld xmlns:a="http://schemas.openxmlformats.org/drawingml/2006/main" xmlns:r="http://schemas.openxmlformats.org/officeDocument/2006/relationships" xmlns:p="http://schemas.openxmlformats.org/presentationml/2006/main">
   <p:cSld>
     <p:spTree>
@@ -33149,7 +33616,7 @@
 </p:sld>
 </file>
 
-<file path=ppt/slides/slide25.xml><?xml version="1.0" encoding="utf-8"?>
+<file path=ppt/slides/slide27.xml><?xml version="1.0" encoding="utf-8"?>
 <p:sld xmlns:a="http://schemas.openxmlformats.org/drawingml/2006/main" xmlns:r="http://schemas.openxmlformats.org/officeDocument/2006/relationships" xmlns:p="http://schemas.openxmlformats.org/presentationml/2006/main">
   <p:cSld>
     <p:spTree>
@@ -33225,6 +33692,14 @@
             </a:r>
             <a:r>
               <a:rPr lang="de-AT" dirty="0"/>
+              <a:t>/</a:t>
+            </a:r>
+            <a:r>
+              <a:rPr lang="de-AT" dirty="0" err="1"/>
+              <a:t>NSwag</a:t>
+            </a:r>
+            <a:r>
+              <a:rPr lang="de-AT" dirty="0"/>
               <a:t> </a:t>
             </a:r>
             <a:r>
@@ -33233,8 +33708,18 @@
             </a:r>
             <a:r>
               <a:rPr lang="de-AT" dirty="0"/>
-              <a:t> ASP.NET Core 2.1 API</a:t>
-            </a:r>
+              <a:t> ASP.NET Core API</a:t>
+            </a:r>
+          </a:p>
+          <a:p>
+            <a:pPr lvl="1"/>
+            <a:r>
+              <a:rPr lang="de-AT" dirty="0" err="1">
+                <a:hlinkClick r:id="rId2"/>
+              </a:rPr>
+              <a:t>Docs</a:t>
+            </a:r>
+            <a:endParaRPr lang="de-AT" dirty="0"/>
           </a:p>
           <a:p>
             <a:r>
@@ -33323,7 +33808,7 @@
 </p:sld>
 </file>
 
-<file path=ppt/slides/slide26.xml><?xml version="1.0" encoding="utf-8"?>
+<file path=ppt/slides/slide28.xml><?xml version="1.0" encoding="utf-8"?>
 <p:sld xmlns:a="http://schemas.openxmlformats.org/drawingml/2006/main" xmlns:r="http://schemas.openxmlformats.org/officeDocument/2006/relationships" xmlns:p="http://schemas.openxmlformats.org/presentationml/2006/main" show="0">
   <p:cSld>
     <p:spTree>
@@ -33392,7 +33877,7 @@
           <a:p>
             <a:r>
               <a:rPr lang="de-AT" dirty="0" err="1"/>
-              <a:t>npx</a:t>
+              <a:t>npm</a:t>
             </a:r>
             <a:r>
               <a:rPr lang="de-AT" dirty="0"/>
@@ -33400,11 +33885,37 @@
             </a:r>
             <a:r>
               <a:rPr lang="de-AT" dirty="0" err="1"/>
+              <a:t>install</a:t>
+            </a:r>
+            <a:r>
+              <a:rPr lang="de-AT" dirty="0"/>
+              <a:t> </a:t>
+            </a:r>
+            <a:r>
+              <a:rPr lang="de-AT" dirty="0" err="1"/>
+              <a:t>autorest@beta</a:t>
+            </a:r>
+            <a:endParaRPr lang="de-AT" dirty="0"/>
+          </a:p>
+          <a:p>
+            <a:endParaRPr lang="de-AT" dirty="0"/>
+          </a:p>
+          <a:p>
+            <a:r>
+              <a:rPr lang="de-AT" dirty="0" err="1"/>
+              <a:t>npx</a:t>
+            </a:r>
+            <a:r>
+              <a:rPr lang="de-AT" dirty="0"/>
+              <a:t> </a:t>
+            </a:r>
+            <a:r>
+              <a:rPr lang="de-AT" dirty="0" err="1"/>
               <a:t>autorest</a:t>
             </a:r>
             <a:r>
               <a:rPr lang="de-AT" dirty="0"/>
-              <a:t> --input-file=C:\Code\GitHub\node-mongo-sample\api2.yaml --</a:t>
+              <a:t> --input-file=C:\Code\GitHub\node-mongo-sample\api3.yaml --</a:t>
             </a:r>
             <a:r>
               <a:rPr lang="de-AT" dirty="0" err="1"/>
@@ -33476,7 +33987,7 @@
           <a:bodyPr/>
           <a:lstStyle/>
           <a:p>
-            <a:endParaRPr lang="de-AT"/>
+            <a:endParaRPr lang="de-AT" dirty="0"/>
           </a:p>
         </p:txBody>
       </p:sp>
@@ -33501,7 +34012,13 @@
           <a:bodyPr/>
           <a:lstStyle/>
           <a:p>
-            <a:endParaRPr lang="de-AT"/>
+            <a:r>
+              <a:rPr lang="de-AT" dirty="0">
+                <a:hlinkClick r:id="rId2"/>
+              </a:rPr>
+              <a:t>https://github.com/Azure/autorest</a:t>
+            </a:r>
+            <a:endParaRPr lang="de-AT" dirty="0"/>
           </a:p>
         </p:txBody>
       </p:sp>
@@ -33521,7 +34038,7 @@
 </p:sld>
 </file>
 
-<file path=ppt/slides/slide27.xml><?xml version="1.0" encoding="utf-8"?>
+<file path=ppt/slides/slide29.xml><?xml version="1.0" encoding="utf-8"?>
 <p:sld xmlns:a="http://schemas.openxmlformats.org/drawingml/2006/main" xmlns:r="http://schemas.openxmlformats.org/officeDocument/2006/relationships" xmlns:p="http://schemas.openxmlformats.org/presentationml/2006/main">
   <p:cSld>
     <p:spTree>
@@ -34382,18 +34899,9 @@
           <a:lstStyle/>
           <a:p>
             <a:r>
-              <a:rPr lang="de-AT" dirty="0" err="1"/>
-              <a:t>OpenAPI</a:t>
-            </a:r>
-            <a:r>
               <a:rPr lang="de-AT" dirty="0"/>
-              <a:t> </a:t>
-            </a:r>
-            <a:r>
-              <a:rPr lang="de-AT" dirty="0" err="1"/>
-              <a:t>Spec</a:t>
-            </a:r>
-            <a:endParaRPr lang="de-AT" dirty="0"/>
+              <a:t>VS Code</a:t>
+            </a:r>
           </a:p>
         </p:txBody>
       </p:sp>
@@ -34513,10 +35021,10 @@
       </p:grpSpPr>
       <p:sp>
         <p:nvSpPr>
-          <p:cNvPr id="9" name="Title 8">
+          <p:cNvPr id="4" name="Title 3">
             <a:extLst>
               <a:ext uri="{FF2B5EF4-FFF2-40B4-BE49-F238E27FC236}">
-                <a16:creationId xmlns:a16="http://schemas.microsoft.com/office/drawing/2014/main" id="{64E1D9A7-4137-4243-A897-88A2090DBB1D}"/>
+                <a16:creationId xmlns:a16="http://schemas.microsoft.com/office/drawing/2014/main" id="{D79B63DC-C2A2-4E88-867B-24209ACE5F85}"/>
               </a:ext>
             </a:extLst>
           </p:cNvPr>
@@ -34534,17 +35042,17 @@
           <a:p>
             <a:r>
               <a:rPr lang="en-US"/>
-              <a:t>YAML</a:t>
+              <a:t>Visual Studio Code</a:t>
             </a:r>
           </a:p>
         </p:txBody>
       </p:sp>
       <p:sp>
         <p:nvSpPr>
-          <p:cNvPr id="13" name="Text Placeholder 12">
+          <p:cNvPr id="5" name="Content Placeholder 4">
             <a:extLst>
               <a:ext uri="{FF2B5EF4-FFF2-40B4-BE49-F238E27FC236}">
-                <a16:creationId xmlns:a16="http://schemas.microsoft.com/office/drawing/2014/main" id="{4BA5E891-7321-4C75-88A2-D386199F6F22}"/>
+                <a16:creationId xmlns:a16="http://schemas.microsoft.com/office/drawing/2014/main" id="{0AF2AD62-B378-4EC8-ABD1-9581F891530F}"/>
               </a:ext>
             </a:extLst>
           </p:cNvPr>
@@ -34562,51 +35070,98 @@
           <a:p>
             <a:r>
               <a:rPr lang="en-US" dirty="0"/>
-              <a:t>Human-friendly JSON</a:t>
+              <a:t>Open-Source, Cross-Platform</a:t>
+            </a:r>
+          </a:p>
+          <a:p>
+            <a:r>
+              <a:rPr lang="en-US" dirty="0"/>
+              <a:t>Good </a:t>
+            </a:r>
+            <a:r>
+              <a:rPr lang="en-US" dirty="0" err="1"/>
+              <a:t>OpenAPI</a:t>
+            </a:r>
+            <a:r>
+              <a:rPr lang="en-US" dirty="0"/>
+              <a:t> support through plugins</a:t>
             </a:r>
           </a:p>
           <a:p>
             <a:pPr lvl="1"/>
             <a:r>
               <a:rPr lang="en-US" dirty="0"/>
-              <a:t>Without {}</a:t>
-            </a:r>
+              <a:t>Look for </a:t>
+            </a:r>
+            <a:r>
+              <a:rPr lang="en-US" i="1" dirty="0" err="1"/>
+              <a:t>openapi</a:t>
+            </a:r>
+            <a:r>
+              <a:rPr lang="en-US" dirty="0"/>
+              <a:t> in Plugins</a:t>
+            </a:r>
+            <a:endParaRPr lang="en-US" dirty="0">
+              <a:hlinkClick r:id="rId2"/>
+            </a:endParaRPr>
           </a:p>
           <a:p>
             <a:pPr lvl="1"/>
             <a:r>
+              <a:rPr lang="en-US" dirty="0" err="1">
+                <a:hlinkClick r:id="rId2"/>
+              </a:rPr>
+              <a:t>openapi</a:t>
+            </a:r>
+            <a:r>
+              <a:rPr lang="en-US" dirty="0">
+                <a:hlinkClick r:id="rId2"/>
+              </a:rPr>
+              <a:t>-lint</a:t>
+            </a:r>
+            <a:r>
               <a:rPr lang="en-US" dirty="0"/>
-              <a:t>Without ,</a:t>
+              <a:t> (uses </a:t>
+            </a:r>
+            <a:r>
+              <a:rPr lang="en-US" dirty="0" err="1">
+                <a:hlinkClick r:id="rId3"/>
+              </a:rPr>
+              <a:t>Speccy</a:t>
+            </a:r>
+            <a:r>
+              <a:rPr lang="en-US" dirty="0"/>
+              <a:t>)</a:t>
             </a:r>
           </a:p>
           <a:p>
             <a:pPr lvl="1"/>
             <a:r>
-              <a:rPr lang="en-US" dirty="0"/>
-              <a:t>With tricky indentations</a:t>
-            </a:r>
-          </a:p>
-          <a:p>
-            <a:r>
-              <a:rPr lang="en-US" dirty="0"/>
-              <a:t>Superset of JSON</a:t>
-            </a:r>
+              <a:rPr lang="en-US" dirty="0" err="1">
+                <a:hlinkClick r:id="rId4"/>
+              </a:rPr>
+              <a:t>openapi</a:t>
+            </a:r>
+            <a:r>
+              <a:rPr lang="en-US" dirty="0">
+                <a:hlinkClick r:id="rId4"/>
+              </a:rPr>
+              <a:t>-designer</a:t>
+            </a:r>
+            <a:endParaRPr lang="en-US" dirty="0"/>
           </a:p>
           <a:p>
             <a:pPr lvl="1"/>
-            <a:r>
-              <a:rPr lang="en-US" dirty="0"/>
-              <a:t>JSON is valid YAML</a:t>
-            </a:r>
+            <a:endParaRPr lang="en-US" dirty="0"/>
           </a:p>
         </p:txBody>
       </p:sp>
       <p:sp>
         <p:nvSpPr>
-          <p:cNvPr id="12" name="Text Placeholder 11">
+          <p:cNvPr id="6" name="Text Placeholder 5">
             <a:extLst>
               <a:ext uri="{FF2B5EF4-FFF2-40B4-BE49-F238E27FC236}">
-                <a16:creationId xmlns:a16="http://schemas.microsoft.com/office/drawing/2014/main" id="{09EAC6DD-9F51-4B6D-8C2A-0E001DE76A7B}"/>
+                <a16:creationId xmlns:a16="http://schemas.microsoft.com/office/drawing/2014/main" id="{D2FF11B2-888C-4AE8-907D-EDD10DA85973}"/>
               </a:ext>
             </a:extLst>
           </p:cNvPr>
@@ -34622,20 +35177,14 @@
           <a:bodyPr/>
           <a:lstStyle/>
           <a:p>
-            <a:r>
-              <a:rPr lang="en-US" dirty="0">
-                <a:hlinkClick r:id="rId2"/>
-              </a:rPr>
-              <a:t>http://yaml.org/</a:t>
-            </a:r>
-            <a:endParaRPr lang="en-US" dirty="0"/>
+            <a:endParaRPr lang="en-US"/>
           </a:p>
         </p:txBody>
       </p:sp>
     </p:spTree>
     <p:extLst>
       <p:ext uri="{BB962C8B-B14F-4D97-AF65-F5344CB8AC3E}">
-        <p14:creationId xmlns:p14="http://schemas.microsoft.com/office/powerpoint/2010/main" val="4008013784"/>
+        <p14:creationId xmlns:p14="http://schemas.microsoft.com/office/powerpoint/2010/main" val="426148484"/>
       </p:ext>
     </p:extLst>
   </p:cSld>
@@ -34670,7 +35219,7 @@
           <p:cNvPr id="2" name="Title 1">
             <a:extLst>
               <a:ext uri="{FF2B5EF4-FFF2-40B4-BE49-F238E27FC236}">
-                <a16:creationId xmlns:a16="http://schemas.microsoft.com/office/drawing/2014/main" id="{35417FC4-A03A-4B78-ACDF-D59E69A3FE7A}"/>
+                <a16:creationId xmlns:a16="http://schemas.microsoft.com/office/drawing/2014/main" id="{41C04960-A50B-4DC7-B461-8B3B9C996395}"/>
               </a:ext>
             </a:extLst>
           </p:cNvPr>
@@ -34687,55 +35236,27 @@
           <a:lstStyle/>
           <a:p>
             <a:r>
+              <a:rPr lang="de-AT" dirty="0" err="1"/>
+              <a:t>OpenAPI</a:t>
+            </a:r>
+            <a:r>
               <a:rPr lang="de-AT" dirty="0"/>
-              <a:t>Data </a:t>
+              <a:t> </a:t>
             </a:r>
             <a:r>
               <a:rPr lang="de-AT" dirty="0" err="1"/>
-              <a:t>Types</a:t>
+              <a:t>Spec</a:t>
             </a:r>
             <a:endParaRPr lang="de-AT" dirty="0"/>
           </a:p>
         </p:txBody>
       </p:sp>
-      <p:pic>
-        <p:nvPicPr>
-          <p:cNvPr id="5" name="Content Placeholder 4">
+      <p:sp>
+        <p:nvSpPr>
+          <p:cNvPr id="3" name="Text Placeholder 2">
             <a:extLst>
               <a:ext uri="{FF2B5EF4-FFF2-40B4-BE49-F238E27FC236}">
-                <a16:creationId xmlns:a16="http://schemas.microsoft.com/office/drawing/2014/main" id="{4BBDAA24-7DAC-4E2D-8CF3-83715B9A69C3}"/>
-              </a:ext>
-            </a:extLst>
-          </p:cNvPr>
-          <p:cNvPicPr>
-            <a:picLocks noGrp="1" noChangeAspect="1"/>
-          </p:cNvPicPr>
-          <p:nvPr>
-            <p:ph sz="quarter" idx="12"/>
-          </p:nvPr>
-        </p:nvPicPr>
-        <p:blipFill>
-          <a:blip r:embed="rId2"/>
-          <a:stretch>
-            <a:fillRect/>
-          </a:stretch>
-        </p:blipFill>
-        <p:spPr>
-          <a:xfrm>
-            <a:off x="876300" y="994064"/>
-            <a:ext cx="4077506" cy="3498272"/>
-          </a:xfrm>
-          <a:prstGeom prst="rect">
-            <a:avLst/>
-          </a:prstGeom>
-        </p:spPr>
-      </p:pic>
-      <p:sp>
-        <p:nvSpPr>
-          <p:cNvPr id="4" name="Text Placeholder 3">
-            <a:extLst>
-              <a:ext uri="{FF2B5EF4-FFF2-40B4-BE49-F238E27FC236}">
-                <a16:creationId xmlns:a16="http://schemas.microsoft.com/office/drawing/2014/main" id="{13D4D48F-660C-4CB4-83DD-7811F03C51B1}"/>
+                <a16:creationId xmlns:a16="http://schemas.microsoft.com/office/drawing/2014/main" id="{1F54B1B6-5D23-4BC3-9690-F81D3FE0CE61}"/>
               </a:ext>
             </a:extLst>
           </p:cNvPr>
@@ -34743,7 +35264,7 @@
             <a:spLocks noGrp="1"/>
           </p:cNvSpPr>
           <p:nvPr>
-            <p:ph type="body" sz="quarter" idx="23"/>
+            <p:ph type="body" sz="quarter" idx="25"/>
           </p:nvPr>
         </p:nvSpPr>
         <p:spPr/>
@@ -34751,32 +35272,79 @@
           <a:bodyPr/>
           <a:lstStyle/>
           <a:p>
-            <a:r>
-              <a:rPr lang="de-AT" dirty="0">
-                <a:hlinkClick r:id="rId3"/>
-              </a:rPr>
-              <a:t>https://swagger.io/specification/#dataTypes</a:t>
-            </a:r>
-            <a:r>
-              <a:rPr lang="de-AT" dirty="0"/>
-              <a:t> </a:t>
-            </a:r>
+            <a:endParaRPr lang="de-AT"/>
           </a:p>
         </p:txBody>
       </p:sp>
+      <p:pic>
+        <p:nvPicPr>
+          <p:cNvPr id="4" name="Picture 2" descr="OpenAPI Initiative">
+            <a:extLst>
+              <a:ext uri="{FF2B5EF4-FFF2-40B4-BE49-F238E27FC236}">
+                <a16:creationId xmlns:a16="http://schemas.microsoft.com/office/drawing/2014/main" id="{A5221390-FABC-467C-AF8A-AC0E29FA9048}"/>
+              </a:ext>
+            </a:extLst>
+          </p:cNvPr>
+          <p:cNvPicPr>
+            <a:picLocks noChangeAspect="1" noChangeArrowheads="1"/>
+          </p:cNvPicPr>
+          <p:nvPr/>
+        </p:nvPicPr>
+        <p:blipFill>
+          <a:blip r:embed="rId2" cstate="email">
+            <a:extLst>
+              <a:ext uri="{28A0092B-C50C-407E-A947-70E740481C1C}">
+                <a14:useLocalDpi xmlns:a14="http://schemas.microsoft.com/office/drawing/2010/main" val="0"/>
+              </a:ext>
+            </a:extLst>
+          </a:blip>
+          <a:srcRect/>
+          <a:stretch>
+            <a:fillRect/>
+          </a:stretch>
+        </p:blipFill>
+        <p:spPr bwMode="auto">
+          <a:xfrm>
+            <a:off x="6024589" y="566442"/>
+            <a:ext cx="3012037" cy="909886"/>
+          </a:xfrm>
+          <a:prstGeom prst="rect">
+            <a:avLst/>
+          </a:prstGeom>
+          <a:noFill/>
+          <a:extLst>
+            <a:ext uri="{909E8E84-426E-40DD-AFC4-6F175D3DCCD1}">
+              <a14:hiddenFill xmlns:a14="http://schemas.microsoft.com/office/drawing/2010/main">
+                <a:solidFill>
+                  <a:srgbClr val="FFFFFF"/>
+                </a:solidFill>
+              </a14:hiddenFill>
+            </a:ext>
+          </a:extLst>
+        </p:spPr>
+      </p:pic>
     </p:spTree>
     <p:extLst>
       <p:ext uri="{BB962C8B-B14F-4D97-AF65-F5344CB8AC3E}">
-        <p14:creationId xmlns:p14="http://schemas.microsoft.com/office/powerpoint/2010/main" val="3214566695"/>
+        <p14:creationId xmlns:p14="http://schemas.microsoft.com/office/powerpoint/2010/main" val="3674037033"/>
       </p:ext>
     </p:extLst>
   </p:cSld>
   <p:clrMapOvr>
     <a:masterClrMapping/>
   </p:clrMapOvr>
-  <p:transition spd="slow">
-    <p:push/>
-  </p:transition>
+  <mc:AlternateContent xmlns:mc="http://schemas.openxmlformats.org/markup-compatibility/2006" xmlns:p14="http://schemas.microsoft.com/office/powerpoint/2010/main">
+    <mc:Choice Requires="p14">
+      <p:transition spd="med" p14:dur="700">
+        <p:fade/>
+      </p:transition>
+    </mc:Choice>
+    <mc:Fallback xmlns="">
+      <p:transition spd="med">
+        <p:fade/>
+      </p:transition>
+    </mc:Fallback>
+  </mc:AlternateContent>
 </p:sld>
 </file>
 
@@ -34799,10 +35367,10 @@
       </p:grpSpPr>
       <p:sp>
         <p:nvSpPr>
-          <p:cNvPr id="2" name="Title 1">
+          <p:cNvPr id="9" name="Title 8">
             <a:extLst>
               <a:ext uri="{FF2B5EF4-FFF2-40B4-BE49-F238E27FC236}">
-                <a16:creationId xmlns:a16="http://schemas.microsoft.com/office/drawing/2014/main" id="{3BAF86D3-8E6E-4873-A112-F818B8D717A7}"/>
+                <a16:creationId xmlns:a16="http://schemas.microsoft.com/office/drawing/2014/main" id="{64E1D9A7-4137-4243-A897-88A2090DBB1D}"/>
               </a:ext>
             </a:extLst>
           </p:cNvPr>
@@ -34819,18 +35387,18 @@
           <a:lstStyle/>
           <a:p>
             <a:r>
-              <a:rPr lang="de-AT" dirty="0"/>
-              <a:t>References</a:t>
+              <a:rPr lang="en-US"/>
+              <a:t>YAML</a:t>
             </a:r>
           </a:p>
         </p:txBody>
       </p:sp>
       <p:sp>
         <p:nvSpPr>
-          <p:cNvPr id="3" name="Content Placeholder 2">
+          <p:cNvPr id="13" name="Text Placeholder 12">
             <a:extLst>
               <a:ext uri="{FF2B5EF4-FFF2-40B4-BE49-F238E27FC236}">
-                <a16:creationId xmlns:a16="http://schemas.microsoft.com/office/drawing/2014/main" id="{BF4DDA0B-82C1-441B-97D0-2E44928FE3FD}"/>
+                <a16:creationId xmlns:a16="http://schemas.microsoft.com/office/drawing/2014/main" id="{4BA5E891-7321-4C75-88A2-D386199F6F22}"/>
               </a:ext>
             </a:extLst>
           </p:cNvPr>
@@ -34847,122 +35415,52 @@
           <a:lstStyle/>
           <a:p>
             <a:r>
-              <a:rPr lang="de-AT" i="1" dirty="0"/>
-              <a:t>$</a:t>
-            </a:r>
-            <a:r>
-              <a:rPr lang="de-AT" i="1" dirty="0" err="1"/>
-              <a:t>ref</a:t>
-            </a:r>
-            <a:endParaRPr lang="de-AT" i="1" dirty="0"/>
+              <a:rPr lang="en-US" dirty="0"/>
+              <a:t>Human-friendly JSON</a:t>
+            </a:r>
           </a:p>
           <a:p>
             <a:pPr lvl="1"/>
             <a:r>
-              <a:rPr lang="de-AT" dirty="0">
-                <a:hlinkClick r:id="rId2"/>
-              </a:rPr>
-              <a:t>JSON Reference</a:t>
-            </a:r>
-            <a:endParaRPr lang="de-AT" dirty="0"/>
-          </a:p>
-          <a:p>
-            <a:r>
-              <a:rPr lang="de-AT" dirty="0"/>
-              <a:t>Relative (</a:t>
-            </a:r>
-            <a:r>
-              <a:rPr lang="de-AT" dirty="0" err="1"/>
-              <a:t>inside</a:t>
-            </a:r>
-            <a:r>
-              <a:rPr lang="de-AT" dirty="0"/>
-              <a:t> </a:t>
-            </a:r>
-            <a:r>
-              <a:rPr lang="de-AT" dirty="0" err="1"/>
-              <a:t>file</a:t>
-            </a:r>
-            <a:r>
-              <a:rPr lang="de-AT" dirty="0"/>
-              <a:t>) and absolute</a:t>
+              <a:rPr lang="en-US" dirty="0"/>
+              <a:t>Without {}</a:t>
             </a:r>
           </a:p>
           <a:p>
             <a:pPr lvl="1"/>
             <a:r>
-              <a:rPr lang="de-AT" i="1" dirty="0"/>
-              <a:t>$</a:t>
-            </a:r>
-            <a:r>
-              <a:rPr lang="de-AT" i="1" dirty="0" err="1"/>
-              <a:t>ref</a:t>
-            </a:r>
-            <a:r>
-              <a:rPr lang="de-AT" i="1" dirty="0"/>
-              <a:t>: '#/</a:t>
-            </a:r>
-            <a:r>
-              <a:rPr lang="de-AT" i="1" dirty="0" err="1"/>
-              <a:t>components</a:t>
-            </a:r>
-            <a:r>
-              <a:rPr lang="de-AT" i="1" dirty="0"/>
-              <a:t>/</a:t>
-            </a:r>
-            <a:r>
-              <a:rPr lang="de-AT" i="1" dirty="0" err="1"/>
-              <a:t>schemas</a:t>
-            </a:r>
-            <a:r>
-              <a:rPr lang="de-AT" i="1" dirty="0"/>
-              <a:t>/</a:t>
-            </a:r>
-            <a:r>
-              <a:rPr lang="de-AT" i="1" dirty="0" err="1"/>
-              <a:t>Pet</a:t>
-            </a:r>
-            <a:r>
-              <a:rPr lang="de-AT" i="1" dirty="0"/>
-              <a:t>‘</a:t>
+              <a:rPr lang="en-US" dirty="0"/>
+              <a:t>Without ,</a:t>
             </a:r>
           </a:p>
           <a:p>
             <a:pPr lvl="1"/>
             <a:r>
-              <a:rPr lang="de-AT" i="1" dirty="0"/>
-              <a:t>$</a:t>
-            </a:r>
-            <a:r>
-              <a:rPr lang="de-AT" i="1" dirty="0" err="1"/>
-              <a:t>ref</a:t>
-            </a:r>
-            <a:r>
-              <a:rPr lang="de-AT" i="1" dirty="0"/>
-              <a:t>: </a:t>
-            </a:r>
-            <a:r>
-              <a:rPr lang="de-AT" i="1" dirty="0" err="1"/>
-              <a:t>definitions.yaml</a:t>
-            </a:r>
-            <a:r>
-              <a:rPr lang="de-AT" i="1" dirty="0"/>
-              <a:t>#/</a:t>
-            </a:r>
-            <a:r>
-              <a:rPr lang="de-AT" i="1" dirty="0" err="1"/>
-              <a:t>Pet</a:t>
-            </a:r>
-            <a:endParaRPr lang="de-AT" i="1" dirty="0"/>
+              <a:rPr lang="en-US" dirty="0"/>
+              <a:t>With tricky indentations</a:t>
+            </a:r>
+          </a:p>
+          <a:p>
+            <a:r>
+              <a:rPr lang="en-US" dirty="0"/>
+              <a:t>Superset of JSON</a:t>
+            </a:r>
+          </a:p>
+          <a:p>
+            <a:pPr lvl="1"/>
+            <a:r>
+              <a:rPr lang="en-US" dirty="0"/>
+              <a:t>JSON is valid YAML</a:t>
+            </a:r>
           </a:p>
         </p:txBody>
       </p:sp>
       <p:sp>
         <p:nvSpPr>
-          <p:cNvPr id="4" name="Text Placeholder 3">
+          <p:cNvPr id="12" name="Text Placeholder 11">
             <a:extLst>
               <a:ext uri="{FF2B5EF4-FFF2-40B4-BE49-F238E27FC236}">
-                <a16:creationId xmlns:a16="http://schemas.microsoft.com/office/drawing/2014/main" id="{83B199B2-72F0-4555-9095-07AA9640555C}"/>
+                <a16:creationId xmlns:a16="http://schemas.microsoft.com/office/drawing/2014/main" id="{09EAC6DD-9F51-4B6D-8C2A-0E001DE76A7B}"/>
               </a:ext>
             </a:extLst>
           </p:cNvPr>
@@ -34978,14 +35476,20 @@
           <a:bodyPr/>
           <a:lstStyle/>
           <a:p>
-            <a:endParaRPr lang="de-AT"/>
+            <a:r>
+              <a:rPr lang="en-US" dirty="0">
+                <a:hlinkClick r:id="rId2"/>
+              </a:rPr>
+              <a:t>http://yaml.org/</a:t>
+            </a:r>
+            <a:endParaRPr lang="en-US" dirty="0"/>
           </a:p>
         </p:txBody>
       </p:sp>
     </p:spTree>
     <p:extLst>
       <p:ext uri="{BB962C8B-B14F-4D97-AF65-F5344CB8AC3E}">
-        <p14:creationId xmlns:p14="http://schemas.microsoft.com/office/powerpoint/2010/main" val="3549786776"/>
+        <p14:creationId xmlns:p14="http://schemas.microsoft.com/office/powerpoint/2010/main" val="4008013784"/>
       </p:ext>
     </p:extLst>
   </p:cSld>

--- a/Swagger/Swagger-Workshop.pptx
+++ b/Swagger/Swagger-Workshop.pptx
@@ -32,9 +32,10 @@
     <p:sldId id="426" r:id="rId26"/>
     <p:sldId id="422" r:id="rId27"/>
     <p:sldId id="423" r:id="rId28"/>
-    <p:sldId id="427" r:id="rId29"/>
-    <p:sldId id="428" r:id="rId30"/>
-    <p:sldId id="322" r:id="rId31"/>
+    <p:sldId id="431" r:id="rId29"/>
+    <p:sldId id="427" r:id="rId30"/>
+    <p:sldId id="428" r:id="rId31"/>
+    <p:sldId id="322" r:id="rId32"/>
   </p:sldIdLst>
   <p:sldSz cx="9144000" cy="5143500" type="screen16x9"/>
   <p:notesSz cx="6858000" cy="9144000"/>
@@ -219,6 +220,7 @@
             <p14:sldId id="426"/>
             <p14:sldId id="422"/>
             <p14:sldId id="423"/>
+            <p14:sldId id="431"/>
             <p14:sldId id="427"/>
             <p14:sldId id="428"/>
           </p14:sldIdLst>
@@ -33056,7 +33058,7 @@
           <a:p>
             <a:r>
               <a:rPr lang="en-US" dirty="0"/>
-              <a:t>docker run -d -p 8080:8080 </a:t>
+              <a:t>docker run -d -p 8082:8080 </a:t>
             </a:r>
             <a:r>
               <a:rPr lang="en-US" dirty="0" err="1"/>
@@ -33635,6 +33637,135 @@
       </p:grpSpPr>
       <p:sp>
         <p:nvSpPr>
+          <p:cNvPr id="2" name="Title 1">
+            <a:extLst>
+              <a:ext uri="{FF2B5EF4-FFF2-40B4-BE49-F238E27FC236}">
+                <a16:creationId xmlns:a16="http://schemas.microsoft.com/office/drawing/2014/main" id="{3D97FD0D-E0EC-4A16-AF7B-F19C85ACD17A}"/>
+              </a:ext>
+            </a:extLst>
+          </p:cNvPr>
+          <p:cNvSpPr>
+            <a:spLocks noGrp="1"/>
+          </p:cNvSpPr>
+          <p:nvPr>
+            <p:ph type="title"/>
+          </p:nvPr>
+        </p:nvSpPr>
+        <p:spPr/>
+        <p:txBody>
+          <a:bodyPr/>
+          <a:lstStyle/>
+          <a:p>
+            <a:r>
+              <a:rPr lang="de-AT" dirty="0"/>
+              <a:t>Java</a:t>
+            </a:r>
+          </a:p>
+        </p:txBody>
+      </p:sp>
+      <p:sp>
+        <p:nvSpPr>
+          <p:cNvPr id="3" name="Content Placeholder 2">
+            <a:extLst>
+              <a:ext uri="{FF2B5EF4-FFF2-40B4-BE49-F238E27FC236}">
+                <a16:creationId xmlns:a16="http://schemas.microsoft.com/office/drawing/2014/main" id="{C59537E7-3ED8-4FA4-A7AD-5C12C49D202F}"/>
+              </a:ext>
+            </a:extLst>
+          </p:cNvPr>
+          <p:cNvSpPr>
+            <a:spLocks noGrp="1"/>
+          </p:cNvSpPr>
+          <p:nvPr>
+            <p:ph sz="quarter" idx="12"/>
+          </p:nvPr>
+        </p:nvSpPr>
+        <p:spPr/>
+        <p:txBody>
+          <a:bodyPr/>
+          <a:lstStyle/>
+          <a:p>
+            <a:r>
+              <a:rPr lang="de-AT" dirty="0" err="1"/>
+              <a:t>Springfox</a:t>
+            </a:r>
+            <a:endParaRPr lang="de-AT" dirty="0"/>
+          </a:p>
+          <a:p>
+            <a:pPr lvl="1"/>
+            <a:r>
+              <a:rPr lang="de-AT" dirty="0">
+                <a:hlinkClick r:id="rId2"/>
+              </a:rPr>
+              <a:t>https://springfox.github.io/springfox/docs/current/</a:t>
+            </a:r>
+            <a:endParaRPr lang="de-AT" dirty="0"/>
+          </a:p>
+          <a:p>
+            <a:pPr lvl="1"/>
+            <a:endParaRPr lang="de-AT" dirty="0"/>
+          </a:p>
+        </p:txBody>
+      </p:sp>
+      <p:sp>
+        <p:nvSpPr>
+          <p:cNvPr id="4" name="Text Placeholder 3">
+            <a:extLst>
+              <a:ext uri="{FF2B5EF4-FFF2-40B4-BE49-F238E27FC236}">
+                <a16:creationId xmlns:a16="http://schemas.microsoft.com/office/drawing/2014/main" id="{96F9BFB8-00C1-4AAA-9DCF-F85761101772}"/>
+              </a:ext>
+            </a:extLst>
+          </p:cNvPr>
+          <p:cNvSpPr>
+            <a:spLocks noGrp="1"/>
+          </p:cNvSpPr>
+          <p:nvPr>
+            <p:ph type="body" sz="quarter" idx="23"/>
+          </p:nvPr>
+        </p:nvSpPr>
+        <p:spPr/>
+        <p:txBody>
+          <a:bodyPr/>
+          <a:lstStyle/>
+          <a:p>
+            <a:endParaRPr lang="de-AT"/>
+          </a:p>
+        </p:txBody>
+      </p:sp>
+    </p:spTree>
+    <p:extLst>
+      <p:ext uri="{BB962C8B-B14F-4D97-AF65-F5344CB8AC3E}">
+        <p14:creationId xmlns:p14="http://schemas.microsoft.com/office/powerpoint/2010/main" val="1982964398"/>
+      </p:ext>
+    </p:extLst>
+  </p:cSld>
+  <p:clrMapOvr>
+    <a:masterClrMapping/>
+  </p:clrMapOvr>
+  <p:transition spd="slow">
+    <p:push/>
+  </p:transition>
+</p:sld>
+</file>
+
+<file path=ppt/slides/slide28.xml><?xml version="1.0" encoding="utf-8"?>
+<p:sld xmlns:a="http://schemas.openxmlformats.org/drawingml/2006/main" xmlns:r="http://schemas.openxmlformats.org/officeDocument/2006/relationships" xmlns:p="http://schemas.openxmlformats.org/presentationml/2006/main">
+  <p:cSld>
+    <p:spTree>
+      <p:nvGrpSpPr>
+        <p:cNvPr id="1" name=""/>
+        <p:cNvGrpSpPr/>
+        <p:nvPr/>
+      </p:nvGrpSpPr>
+      <p:grpSpPr>
+        <a:xfrm>
+          <a:off x="0" y="0"/>
+          <a:ext cx="0" cy="0"/>
+          <a:chOff x="0" y="0"/>
+          <a:chExt cx="0" cy="0"/>
+        </a:xfrm>
+      </p:grpSpPr>
+      <p:sp>
+        <p:nvSpPr>
           <p:cNvPr id="5" name="Text Placeholder 4">
             <a:extLst>
               <a:ext uri="{FF2B5EF4-FFF2-40B4-BE49-F238E27FC236}">
@@ -33808,7 +33939,7 @@
 </p:sld>
 </file>
 
-<file path=ppt/slides/slide28.xml><?xml version="1.0" encoding="utf-8"?>
+<file path=ppt/slides/slide29.xml><?xml version="1.0" encoding="utf-8"?>
 <p:sld xmlns:a="http://schemas.openxmlformats.org/drawingml/2006/main" xmlns:r="http://schemas.openxmlformats.org/officeDocument/2006/relationships" xmlns:p="http://schemas.openxmlformats.org/presentationml/2006/main" show="0">
   <p:cSld>
     <p:spTree>
@@ -34038,7 +34169,114 @@
 </p:sld>
 </file>
 
-<file path=ppt/slides/slide29.xml><?xml version="1.0" encoding="utf-8"?>
+<file path=ppt/slides/slide3.xml><?xml version="1.0" encoding="utf-8"?>
+<p:sld xmlns:a="http://schemas.openxmlformats.org/drawingml/2006/main" xmlns:r="http://schemas.openxmlformats.org/officeDocument/2006/relationships" xmlns:p="http://schemas.openxmlformats.org/presentationml/2006/main">
+  <p:cSld>
+    <p:spTree>
+      <p:nvGrpSpPr>
+        <p:cNvPr id="1" name=""/>
+        <p:cNvGrpSpPr/>
+        <p:nvPr/>
+      </p:nvGrpSpPr>
+      <p:grpSpPr>
+        <a:xfrm>
+          <a:off x="0" y="0"/>
+          <a:ext cx="0" cy="0"/>
+          <a:chOff x="0" y="0"/>
+          <a:chExt cx="0" cy="0"/>
+        </a:xfrm>
+      </p:grpSpPr>
+      <p:sp>
+        <p:nvSpPr>
+          <p:cNvPr id="7" name="Title 6">
+            <a:extLst>
+              <a:ext uri="{FF2B5EF4-FFF2-40B4-BE49-F238E27FC236}">
+                <a16:creationId xmlns:a16="http://schemas.microsoft.com/office/drawing/2014/main" id="{41FB19D6-7D45-4E89-AC34-1F1F23B31A3D}"/>
+              </a:ext>
+            </a:extLst>
+          </p:cNvPr>
+          <p:cNvSpPr>
+            <a:spLocks noGrp="1"/>
+          </p:cNvSpPr>
+          <p:nvPr>
+            <p:ph type="title"/>
+          </p:nvPr>
+        </p:nvSpPr>
+        <p:spPr/>
+        <p:txBody>
+          <a:bodyPr/>
+          <a:lstStyle/>
+          <a:p>
+            <a:r>
+              <a:rPr lang="de-AT" dirty="0" err="1"/>
+              <a:t>What‘s</a:t>
+            </a:r>
+            <a:r>
+              <a:rPr lang="de-AT" dirty="0"/>
+              <a:t> </a:t>
+            </a:r>
+            <a:r>
+              <a:rPr lang="de-AT" dirty="0" err="1"/>
+              <a:t>Swagger</a:t>
+            </a:r>
+            <a:r>
+              <a:rPr lang="de-AT" dirty="0"/>
+              <a:t>?</a:t>
+            </a:r>
+          </a:p>
+        </p:txBody>
+      </p:sp>
+      <p:sp>
+        <p:nvSpPr>
+          <p:cNvPr id="8" name="Text Placeholder 7">
+            <a:extLst>
+              <a:ext uri="{FF2B5EF4-FFF2-40B4-BE49-F238E27FC236}">
+                <a16:creationId xmlns:a16="http://schemas.microsoft.com/office/drawing/2014/main" id="{1E71170D-7EE5-4D56-A4FA-DFBC1D67B251}"/>
+              </a:ext>
+            </a:extLst>
+          </p:cNvPr>
+          <p:cNvSpPr>
+            <a:spLocks noGrp="1"/>
+          </p:cNvSpPr>
+          <p:nvPr>
+            <p:ph type="body" sz="quarter" idx="25"/>
+          </p:nvPr>
+        </p:nvSpPr>
+        <p:spPr/>
+        <p:txBody>
+          <a:bodyPr/>
+          <a:lstStyle/>
+          <a:p>
+            <a:endParaRPr lang="de-AT"/>
+          </a:p>
+        </p:txBody>
+      </p:sp>
+    </p:spTree>
+    <p:extLst>
+      <p:ext uri="{BB962C8B-B14F-4D97-AF65-F5344CB8AC3E}">
+        <p14:creationId xmlns:p14="http://schemas.microsoft.com/office/powerpoint/2010/main" val="3455499065"/>
+      </p:ext>
+    </p:extLst>
+  </p:cSld>
+  <p:clrMapOvr>
+    <a:masterClrMapping/>
+  </p:clrMapOvr>
+  <mc:AlternateContent xmlns:mc="http://schemas.openxmlformats.org/markup-compatibility/2006" xmlns:p14="http://schemas.microsoft.com/office/powerpoint/2010/main">
+    <mc:Choice Requires="p14">
+      <p:transition spd="med" p14:dur="700">
+        <p:fade/>
+      </p:transition>
+    </mc:Choice>
+    <mc:Fallback xmlns="">
+      <p:transition spd="med">
+        <p:fade/>
+      </p:transition>
+    </mc:Fallback>
+  </mc:AlternateContent>
+</p:sld>
+</file>
+
+<file path=ppt/slides/slide30.xml><?xml version="1.0" encoding="utf-8"?>
 <p:sld xmlns:a="http://schemas.openxmlformats.org/drawingml/2006/main" xmlns:r="http://schemas.openxmlformats.org/officeDocument/2006/relationships" xmlns:p="http://schemas.openxmlformats.org/presentationml/2006/main">
   <p:cSld>
     <p:spTree>
@@ -34277,113 +34515,6 @@
     <p:extLst>
       <p:ext uri="{BB962C8B-B14F-4D97-AF65-F5344CB8AC3E}">
         <p14:creationId xmlns:p14="http://schemas.microsoft.com/office/powerpoint/2010/main" val="4103361406"/>
-      </p:ext>
-    </p:extLst>
-  </p:cSld>
-  <p:clrMapOvr>
-    <a:masterClrMapping/>
-  </p:clrMapOvr>
-  <mc:AlternateContent xmlns:mc="http://schemas.openxmlformats.org/markup-compatibility/2006" xmlns:p14="http://schemas.microsoft.com/office/powerpoint/2010/main">
-    <mc:Choice Requires="p14">
-      <p:transition spd="med" p14:dur="700">
-        <p:fade/>
-      </p:transition>
-    </mc:Choice>
-    <mc:Fallback xmlns="">
-      <p:transition spd="med">
-        <p:fade/>
-      </p:transition>
-    </mc:Fallback>
-  </mc:AlternateContent>
-</p:sld>
-</file>
-
-<file path=ppt/slides/slide3.xml><?xml version="1.0" encoding="utf-8"?>
-<p:sld xmlns:a="http://schemas.openxmlformats.org/drawingml/2006/main" xmlns:r="http://schemas.openxmlformats.org/officeDocument/2006/relationships" xmlns:p="http://schemas.openxmlformats.org/presentationml/2006/main">
-  <p:cSld>
-    <p:spTree>
-      <p:nvGrpSpPr>
-        <p:cNvPr id="1" name=""/>
-        <p:cNvGrpSpPr/>
-        <p:nvPr/>
-      </p:nvGrpSpPr>
-      <p:grpSpPr>
-        <a:xfrm>
-          <a:off x="0" y="0"/>
-          <a:ext cx="0" cy="0"/>
-          <a:chOff x="0" y="0"/>
-          <a:chExt cx="0" cy="0"/>
-        </a:xfrm>
-      </p:grpSpPr>
-      <p:sp>
-        <p:nvSpPr>
-          <p:cNvPr id="7" name="Title 6">
-            <a:extLst>
-              <a:ext uri="{FF2B5EF4-FFF2-40B4-BE49-F238E27FC236}">
-                <a16:creationId xmlns:a16="http://schemas.microsoft.com/office/drawing/2014/main" id="{41FB19D6-7D45-4E89-AC34-1F1F23B31A3D}"/>
-              </a:ext>
-            </a:extLst>
-          </p:cNvPr>
-          <p:cNvSpPr>
-            <a:spLocks noGrp="1"/>
-          </p:cNvSpPr>
-          <p:nvPr>
-            <p:ph type="title"/>
-          </p:nvPr>
-        </p:nvSpPr>
-        <p:spPr/>
-        <p:txBody>
-          <a:bodyPr/>
-          <a:lstStyle/>
-          <a:p>
-            <a:r>
-              <a:rPr lang="de-AT" dirty="0" err="1"/>
-              <a:t>What‘s</a:t>
-            </a:r>
-            <a:r>
-              <a:rPr lang="de-AT" dirty="0"/>
-              <a:t> </a:t>
-            </a:r>
-            <a:r>
-              <a:rPr lang="de-AT" dirty="0" err="1"/>
-              <a:t>Swagger</a:t>
-            </a:r>
-            <a:r>
-              <a:rPr lang="de-AT" dirty="0"/>
-              <a:t>?</a:t>
-            </a:r>
-          </a:p>
-        </p:txBody>
-      </p:sp>
-      <p:sp>
-        <p:nvSpPr>
-          <p:cNvPr id="8" name="Text Placeholder 7">
-            <a:extLst>
-              <a:ext uri="{FF2B5EF4-FFF2-40B4-BE49-F238E27FC236}">
-                <a16:creationId xmlns:a16="http://schemas.microsoft.com/office/drawing/2014/main" id="{1E71170D-7EE5-4D56-A4FA-DFBC1D67B251}"/>
-              </a:ext>
-            </a:extLst>
-          </p:cNvPr>
-          <p:cNvSpPr>
-            <a:spLocks noGrp="1"/>
-          </p:cNvSpPr>
-          <p:nvPr>
-            <p:ph type="body" sz="quarter" idx="25"/>
-          </p:nvPr>
-        </p:nvSpPr>
-        <p:spPr/>
-        <p:txBody>
-          <a:bodyPr/>
-          <a:lstStyle/>
-          <a:p>
-            <a:endParaRPr lang="de-AT"/>
-          </a:p>
-        </p:txBody>
-      </p:sp>
-    </p:spTree>
-    <p:extLst>
-      <p:ext uri="{BB962C8B-B14F-4D97-AF65-F5344CB8AC3E}">
-        <p14:creationId xmlns:p14="http://schemas.microsoft.com/office/powerpoint/2010/main" val="3455499065"/>
       </p:ext>
     </p:extLst>
   </p:cSld>
